--- a/lesson02.pptx
+++ b/lesson02.pptx
@@ -5,7 +5,7 @@
     <p:sldMasterId id="2147483648" r:id="rId1"/>
   </p:sldMasterIdLst>
   <p:notesMasterIdLst>
-    <p:notesMasterId r:id="rId39"/>
+    <p:notesMasterId r:id="rId38"/>
   </p:notesMasterIdLst>
   <p:sldIdLst>
     <p:sldId id="293" r:id="rId2"/>
@@ -32,19 +32,18 @@
     <p:sldId id="298" r:id="rId23"/>
     <p:sldId id="306" r:id="rId24"/>
     <p:sldId id="309" r:id="rId25"/>
-    <p:sldId id="314" r:id="rId26"/>
-    <p:sldId id="315" r:id="rId27"/>
-    <p:sldId id="316" r:id="rId28"/>
-    <p:sldId id="317" r:id="rId29"/>
-    <p:sldId id="318" r:id="rId30"/>
-    <p:sldId id="320" r:id="rId31"/>
-    <p:sldId id="321" r:id="rId32"/>
-    <p:sldId id="322" r:id="rId33"/>
-    <p:sldId id="282" r:id="rId34"/>
-    <p:sldId id="283" r:id="rId35"/>
-    <p:sldId id="284" r:id="rId36"/>
-    <p:sldId id="286" r:id="rId37"/>
-    <p:sldId id="287" r:id="rId38"/>
+    <p:sldId id="315" r:id="rId26"/>
+    <p:sldId id="316" r:id="rId27"/>
+    <p:sldId id="317" r:id="rId28"/>
+    <p:sldId id="318" r:id="rId29"/>
+    <p:sldId id="320" r:id="rId30"/>
+    <p:sldId id="321" r:id="rId31"/>
+    <p:sldId id="322" r:id="rId32"/>
+    <p:sldId id="282" r:id="rId33"/>
+    <p:sldId id="283" r:id="rId34"/>
+    <p:sldId id="284" r:id="rId35"/>
+    <p:sldId id="286" r:id="rId36"/>
+    <p:sldId id="287" r:id="rId37"/>
   </p:sldIdLst>
   <p:sldSz cx="12192000" cy="6858000"/>
   <p:notesSz cx="6858000" cy="9144000"/>
@@ -172,7 +171,6 @@
             <p14:sldId id="298"/>
             <p14:sldId id="306"/>
             <p14:sldId id="309"/>
-            <p14:sldId id="314"/>
             <p14:sldId id="315"/>
             <p14:sldId id="316"/>
             <p14:sldId id="317"/>
@@ -302,7 +300,7 @@
             <a:fld id="{85522811-C5C6-42D2-A409-F8556720C93F}" type="datetimeFigureOut">
               <a:rPr lang="uk-UA" smtClean="0"/>
               <a:pPr/>
-              <a:t>16.11.2020</a:t>
+              <a:t>20.11.2020</a:t>
             </a:fld>
             <a:endParaRPr lang="uk-UA"/>
           </a:p>
@@ -847,7 +845,7 @@
             <a:fld id="{E6FC6B0D-6115-4D7C-8040-9C8E2349BB6E}" type="datetime1">
               <a:rPr lang="uk-UA" smtClean="0"/>
               <a:pPr/>
-              <a:t>16.11.2020</a:t>
+              <a:t>20.11.2020</a:t>
             </a:fld>
             <a:endParaRPr lang="uk-UA"/>
           </a:p>
@@ -1014,7 +1012,7 @@
             <a:fld id="{996367BA-0A39-4DE2-BFC3-D5290044365E}" type="datetime1">
               <a:rPr lang="uk-UA" smtClean="0"/>
               <a:pPr/>
-              <a:t>16.11.2020</a:t>
+              <a:t>20.11.2020</a:t>
             </a:fld>
             <a:endParaRPr lang="uk-UA"/>
           </a:p>
@@ -1191,7 +1189,7 @@
             <a:fld id="{1BD6A67F-6C29-47DC-AF8A-FDB3C787DF70}" type="datetime1">
               <a:rPr lang="uk-UA" smtClean="0"/>
               <a:pPr/>
-              <a:t>16.11.2020</a:t>
+              <a:t>20.11.2020</a:t>
             </a:fld>
             <a:endParaRPr lang="uk-UA"/>
           </a:p>
@@ -1358,7 +1356,7 @@
             <a:fld id="{1657D9C5-7FF1-434F-B56E-9BAD559744E9}" type="datetime1">
               <a:rPr lang="uk-UA" smtClean="0"/>
               <a:pPr/>
-              <a:t>16.11.2020</a:t>
+              <a:t>20.11.2020</a:t>
             </a:fld>
             <a:endParaRPr lang="uk-UA"/>
           </a:p>
@@ -1601,7 +1599,7 @@
             <a:fld id="{2CEB0FC9-DE63-476B-A1A9-BE934D9049F8}" type="datetime1">
               <a:rPr lang="uk-UA" smtClean="0"/>
               <a:pPr/>
-              <a:t>16.11.2020</a:t>
+              <a:t>20.11.2020</a:t>
             </a:fld>
             <a:endParaRPr lang="uk-UA"/>
           </a:p>
@@ -1886,7 +1884,7 @@
             <a:fld id="{F964460F-86E2-4DF6-9D0F-12F5005CF375}" type="datetime1">
               <a:rPr lang="uk-UA" smtClean="0"/>
               <a:pPr/>
-              <a:t>16.11.2020</a:t>
+              <a:t>20.11.2020</a:t>
             </a:fld>
             <a:endParaRPr lang="uk-UA"/>
           </a:p>
@@ -2305,7 +2303,7 @@
             <a:fld id="{C521715E-DDCD-4267-B0A5-2918B6F6768A}" type="datetime1">
               <a:rPr lang="uk-UA" smtClean="0"/>
               <a:pPr/>
-              <a:t>16.11.2020</a:t>
+              <a:t>20.11.2020</a:t>
             </a:fld>
             <a:endParaRPr lang="uk-UA"/>
           </a:p>
@@ -2420,7 +2418,7 @@
             <a:fld id="{9289842C-EB2D-4EBB-A272-2F6A49D9794D}" type="datetime1">
               <a:rPr lang="uk-UA" smtClean="0"/>
               <a:pPr/>
-              <a:t>16.11.2020</a:t>
+              <a:t>20.11.2020</a:t>
             </a:fld>
             <a:endParaRPr lang="uk-UA"/>
           </a:p>
@@ -2512,7 +2510,7 @@
             <a:fld id="{D036F091-B700-4B52-99AC-85D0FD94D904}" type="datetime1">
               <a:rPr lang="uk-UA" smtClean="0"/>
               <a:pPr/>
-              <a:t>16.11.2020</a:t>
+              <a:t>20.11.2020</a:t>
             </a:fld>
             <a:endParaRPr lang="uk-UA"/>
           </a:p>
@@ -2786,7 +2784,7 @@
             <a:fld id="{B35DFABA-3811-4634-B803-2EAC4CD0063B}" type="datetime1">
               <a:rPr lang="uk-UA" smtClean="0"/>
               <a:pPr/>
-              <a:t>16.11.2020</a:t>
+              <a:t>20.11.2020</a:t>
             </a:fld>
             <a:endParaRPr lang="uk-UA"/>
           </a:p>
@@ -3036,7 +3034,7 @@
             <a:fld id="{8A9EA25E-F88E-463A-A119-D1E55A881002}" type="datetime1">
               <a:rPr lang="uk-UA" smtClean="0"/>
               <a:pPr/>
-              <a:t>16.11.2020</a:t>
+              <a:t>20.11.2020</a:t>
             </a:fld>
             <a:endParaRPr lang="uk-UA"/>
           </a:p>
@@ -3246,7 +3244,7 @@
             <a:fld id="{E708ED03-0080-49A2-B709-7DA4ACB3A1C3}" type="datetime1">
               <a:rPr lang="uk-UA" smtClean="0"/>
               <a:pPr/>
-              <a:t>16.11.2020</a:t>
+              <a:t>20.11.2020</a:t>
             </a:fld>
             <a:endParaRPr lang="uk-UA"/>
           </a:p>
@@ -4161,11 +4159,7 @@
             <a:pPr algn="ctr"/>
             <a:r>
               <a:rPr lang="ru-RU" sz="3600" b="1" dirty="0" smtClean="0"/>
-              <a:t>В </a:t>
-            </a:r>
-            <a:r>
-              <a:rPr lang="ru-RU" sz="3600" b="1" dirty="0" smtClean="0"/>
-              <a:t>отдельном файле с </a:t>
+              <a:t>В отдельном файле с </a:t>
             </a:r>
             <a:r>
               <a:rPr lang="en-US" sz="3600" b="1" dirty="0" smtClean="0"/>
@@ -4966,11 +4960,7 @@
             </a:r>
             <a:r>
               <a:rPr lang="ru-RU" sz="7200" b="1" dirty="0" smtClean="0"/>
-              <a:t>На </a:t>
-            </a:r>
-            <a:r>
-              <a:rPr lang="ru-RU" sz="7200" b="1" dirty="0" smtClean="0"/>
-              <a:t>практике…</a:t>
+              <a:t>На практике…</a:t>
             </a:r>
             <a:endParaRPr lang="uk-UA" sz="7200" b="1" dirty="0"/>
           </a:p>
@@ -8312,278 +8302,65 @@
       </p:grpSpPr>
       <p:sp>
         <p:nvSpPr>
-          <p:cNvPr id="13" name="Номер слайда 36"/>
-          <p:cNvSpPr txBox="1">
-            <a:spLocks/>
-          </p:cNvSpPr>
+          <p:cNvPr id="5" name="Прямоугольник 4"/>
+          <p:cNvSpPr/>
           <p:nvPr/>
         </p:nvSpPr>
         <p:spPr>
           <a:xfrm>
-            <a:off x="11280576" y="6130804"/>
-            <a:ext cx="648072" cy="432048"/>
-          </a:xfrm>
-          <a:prstGeom prst="roundRect">
-            <a:avLst/>
-          </a:prstGeom>
-          <a:ln w="25400" cap="flat" cmpd="sng" algn="ctr">
-            <a:solidFill>
-              <a:schemeClr val="tx2">
-                <a:lumMod val="60000"/>
-                <a:lumOff val="40000"/>
-              </a:schemeClr>
-            </a:solidFill>
-            <a:prstDash val="solid"/>
-          </a:ln>
+            <a:off x="0" y="0"/>
+            <a:ext cx="12192000" cy="6858000"/>
+          </a:xfrm>
+          <a:prstGeom prst="rect">
+            <a:avLst/>
+          </a:prstGeom>
+          <a:solidFill>
+            <a:schemeClr val="tx2">
+              <a:lumMod val="75000"/>
+            </a:schemeClr>
+          </a:solidFill>
         </p:spPr>
         <p:style>
           <a:lnRef idx="2">
-            <a:schemeClr val="accent1"/>
+            <a:schemeClr val="accent1">
+              <a:shade val="50000"/>
+            </a:schemeClr>
           </a:lnRef>
           <a:fillRef idx="1">
-            <a:schemeClr val="lt1"/>
+            <a:schemeClr val="accent1"/>
           </a:fillRef>
           <a:effectRef idx="0">
             <a:schemeClr val="accent1"/>
           </a:effectRef>
           <a:fontRef idx="minor">
-            <a:schemeClr val="dk1"/>
+            <a:schemeClr val="lt1"/>
           </a:fontRef>
         </p:style>
         <p:txBody>
-          <a:bodyPr vert="horz" lIns="91440" tIns="45720" rIns="91440" bIns="45720" rtlCol="0" anchor="ctr"/>
-          <a:lstStyle>
-            <a:defPPr>
-              <a:defRPr lang="uk-UA"/>
-            </a:defPPr>
-            <a:lvl1pPr marL="0" algn="l" defTabSz="914400" rtl="0" eaLnBrk="1" latinLnBrk="0" hangingPunct="1">
-              <a:defRPr sz="1800" kern="1200">
-                <a:solidFill>
-                  <a:schemeClr val="dk1"/>
-                </a:solidFill>
-                <a:latin typeface="+mn-lt"/>
-                <a:ea typeface="+mn-ea"/>
-                <a:cs typeface="+mn-cs"/>
-              </a:defRPr>
-            </a:lvl1pPr>
-            <a:lvl2pPr marL="457200" algn="l" defTabSz="914400" rtl="0" eaLnBrk="1" latinLnBrk="0" hangingPunct="1">
-              <a:defRPr sz="1800" kern="1200">
-                <a:solidFill>
-                  <a:schemeClr val="dk1"/>
-                </a:solidFill>
-                <a:latin typeface="+mn-lt"/>
-                <a:ea typeface="+mn-ea"/>
-                <a:cs typeface="+mn-cs"/>
-              </a:defRPr>
-            </a:lvl2pPr>
-            <a:lvl3pPr marL="914400" algn="l" defTabSz="914400" rtl="0" eaLnBrk="1" latinLnBrk="0" hangingPunct="1">
-              <a:defRPr sz="1800" kern="1200">
-                <a:solidFill>
-                  <a:schemeClr val="dk1"/>
-                </a:solidFill>
-                <a:latin typeface="+mn-lt"/>
-                <a:ea typeface="+mn-ea"/>
-                <a:cs typeface="+mn-cs"/>
-              </a:defRPr>
-            </a:lvl3pPr>
-            <a:lvl4pPr marL="1371600" algn="l" defTabSz="914400" rtl="0" eaLnBrk="1" latinLnBrk="0" hangingPunct="1">
-              <a:defRPr sz="1800" kern="1200">
-                <a:solidFill>
-                  <a:schemeClr val="dk1"/>
-                </a:solidFill>
-                <a:latin typeface="+mn-lt"/>
-                <a:ea typeface="+mn-ea"/>
-                <a:cs typeface="+mn-cs"/>
-              </a:defRPr>
-            </a:lvl4pPr>
-            <a:lvl5pPr marL="1828800" algn="l" defTabSz="914400" rtl="0" eaLnBrk="1" latinLnBrk="0" hangingPunct="1">
-              <a:defRPr sz="1800" kern="1200">
-                <a:solidFill>
-                  <a:schemeClr val="dk1"/>
-                </a:solidFill>
-                <a:latin typeface="+mn-lt"/>
-                <a:ea typeface="+mn-ea"/>
-                <a:cs typeface="+mn-cs"/>
-              </a:defRPr>
-            </a:lvl5pPr>
-            <a:lvl6pPr marL="2286000" algn="l" defTabSz="914400" rtl="0" eaLnBrk="1" latinLnBrk="0" hangingPunct="1">
-              <a:defRPr sz="1800" kern="1200">
-                <a:solidFill>
-                  <a:schemeClr val="dk1"/>
-                </a:solidFill>
-                <a:latin typeface="+mn-lt"/>
-                <a:ea typeface="+mn-ea"/>
-                <a:cs typeface="+mn-cs"/>
-              </a:defRPr>
-            </a:lvl6pPr>
-            <a:lvl7pPr marL="2743200" algn="l" defTabSz="914400" rtl="0" eaLnBrk="1" latinLnBrk="0" hangingPunct="1">
-              <a:defRPr sz="1800" kern="1200">
-                <a:solidFill>
-                  <a:schemeClr val="dk1"/>
-                </a:solidFill>
-                <a:latin typeface="+mn-lt"/>
-                <a:ea typeface="+mn-ea"/>
-                <a:cs typeface="+mn-cs"/>
-              </a:defRPr>
-            </a:lvl7pPr>
-            <a:lvl8pPr marL="3200400" algn="l" defTabSz="914400" rtl="0" eaLnBrk="1" latinLnBrk="0" hangingPunct="1">
-              <a:defRPr sz="1800" kern="1200">
-                <a:solidFill>
-                  <a:schemeClr val="dk1"/>
-                </a:solidFill>
-                <a:latin typeface="+mn-lt"/>
-                <a:ea typeface="+mn-ea"/>
-                <a:cs typeface="+mn-cs"/>
-              </a:defRPr>
-            </a:lvl8pPr>
-            <a:lvl9pPr marL="3657600" algn="l" defTabSz="914400" rtl="0" eaLnBrk="1" latinLnBrk="0" hangingPunct="1">
-              <a:defRPr sz="1800" kern="1200">
-                <a:solidFill>
-                  <a:schemeClr val="dk1"/>
-                </a:solidFill>
-                <a:latin typeface="+mn-lt"/>
-                <a:ea typeface="+mn-ea"/>
-                <a:cs typeface="+mn-cs"/>
-              </a:defRPr>
-            </a:lvl9pPr>
-          </a:lstStyle>
-          <a:p>
-            <a:pPr algn="ctr">
-              <a:defRPr/>
-            </a:pPr>
-            <a:fld id="{6389AA22-90B4-448C-8B6B-C699140D38B9}" type="slidenum">
-              <a:rPr lang="uk-UA" sz="2400" b="1">
-                <a:solidFill>
-                  <a:schemeClr val="bg1">
-                    <a:lumMod val="50000"/>
-                  </a:schemeClr>
-                </a:solidFill>
-              </a:rPr>
-              <a:pPr algn="ctr">
-                <a:defRPr/>
-              </a:pPr>
-              <a:t>25</a:t>
-            </a:fld>
-            <a:endParaRPr lang="uk-UA" sz="2400" b="1" dirty="0">
-              <a:solidFill>
-                <a:schemeClr val="bg1">
-                  <a:lumMod val="50000"/>
-                </a:schemeClr>
-              </a:solidFill>
-            </a:endParaRPr>
-          </a:p>
-        </p:txBody>
-      </p:sp>
-      <p:sp>
-        <p:nvSpPr>
-          <p:cNvPr id="3" name="TextBox 2"/>
-          <p:cNvSpPr txBox="1"/>
-          <p:nvPr/>
-        </p:nvSpPr>
-        <p:spPr>
-          <a:xfrm>
-            <a:off x="0" y="416858"/>
-            <a:ext cx="12191999" cy="707886"/>
-          </a:xfrm>
-          <a:prstGeom prst="rect">
-            <a:avLst/>
-          </a:prstGeom>
-          <a:noFill/>
-        </p:spPr>
-        <p:txBody>
-          <a:bodyPr wrap="square" rtlCol="0">
-            <a:spAutoFit/>
-          </a:bodyPr>
+          <a:bodyPr rtlCol="0" anchor="ctr"/>
           <a:lstStyle/>
           <a:p>
             <a:pPr algn="ctr"/>
             <a:r>
-              <a:rPr lang="en-US" sz="4000" b="1" dirty="0" smtClean="0"/>
-              <a:t>Google Fonts </a:t>
-            </a:r>
-            <a:r>
-              <a:rPr lang="ru-RU" sz="4000" b="1" dirty="0" smtClean="0"/>
-              <a:t>база бесплатных шрифтов</a:t>
-            </a:r>
-            <a:endParaRPr lang="ru-RU" sz="4000" b="1" dirty="0"/>
-          </a:p>
-        </p:txBody>
-      </p:sp>
-      <p:sp>
-        <p:nvSpPr>
-          <p:cNvPr id="4" name="TextBox 3"/>
-          <p:cNvSpPr txBox="1"/>
-          <p:nvPr/>
-        </p:nvSpPr>
-        <p:spPr>
-          <a:xfrm>
-            <a:off x="0" y="5805264"/>
-            <a:ext cx="12191999" cy="707886"/>
-          </a:xfrm>
-          <a:prstGeom prst="rect">
-            <a:avLst/>
-          </a:prstGeom>
-          <a:noFill/>
-        </p:spPr>
-        <p:txBody>
-          <a:bodyPr wrap="square" rtlCol="0">
-            <a:spAutoFit/>
-          </a:bodyPr>
-          <a:lstStyle/>
-          <a:p>
-            <a:pPr algn="ctr"/>
-            <a:r>
-              <a:rPr lang="en-US" sz="4000" b="1" dirty="0">
-                <a:hlinkClick r:id="rId2"/>
-              </a:rPr>
-              <a:t>https://fonts.google.com/</a:t>
-            </a:r>
-            <a:endParaRPr lang="ru-RU" sz="4000" b="1" dirty="0"/>
-          </a:p>
-        </p:txBody>
-      </p:sp>
-      <p:pic>
-        <p:nvPicPr>
-          <p:cNvPr id="6" name="Рисунок 5"/>
-          <p:cNvPicPr>
-            <a:picLocks noChangeAspect="1"/>
-          </p:cNvPicPr>
-          <p:nvPr/>
-        </p:nvPicPr>
-        <p:blipFill>
-          <a:blip r:embed="rId3"/>
-          <a:stretch>
-            <a:fillRect/>
-          </a:stretch>
-        </p:blipFill>
-        <p:spPr>
-          <a:xfrm>
-            <a:off x="1919536" y="1412776"/>
-            <a:ext cx="8208912" cy="4054639"/>
-          </a:xfrm>
-          <a:prstGeom prst="rect">
-            <a:avLst/>
-          </a:prstGeom>
-          <a:ln>
-            <a:solidFill>
-              <a:schemeClr val="bg1">
-                <a:lumMod val="75000"/>
-              </a:schemeClr>
-            </a:solidFill>
-          </a:ln>
-          <a:effectLst>
-            <a:outerShdw blurRad="292100" dist="139700" dir="2700000" algn="tl" rotWithShape="0">
-              <a:srgbClr val="333333">
-                <a:alpha val="65000"/>
-              </a:srgbClr>
-            </a:outerShdw>
-          </a:effectLst>
-        </p:spPr>
-      </p:pic>
+              <a:rPr lang="en-US" sz="6000" b="1" dirty="0"/>
+              <a:t>8</a:t>
+            </a:r>
+            <a:r>
+              <a:rPr lang="en-US" sz="6000" b="1" dirty="0" smtClean="0"/>
+              <a:t>. </a:t>
+            </a:r>
+            <a:r>
+              <a:rPr lang="ru-RU" sz="6000" b="1" dirty="0" smtClean="0"/>
+              <a:t>Задание размеров</a:t>
+            </a:r>
+            <a:endParaRPr lang="en-US" sz="6000" b="1" dirty="0"/>
+          </a:p>
+        </p:txBody>
+      </p:sp>
     </p:spTree>
     <p:extLst>
       <p:ext uri="{BB962C8B-B14F-4D97-AF65-F5344CB8AC3E}">
-        <p14:creationId xmlns:p14="http://schemas.microsoft.com/office/powerpoint/2010/main" val="2718824105"/>
+        <p14:creationId xmlns:p14="http://schemas.microsoft.com/office/powerpoint/2010/main" val="1574259268"/>
       </p:ext>
     </p:extLst>
   </p:cSld>
@@ -8619,65 +8396,332 @@
       </p:grpSpPr>
       <p:sp>
         <p:nvSpPr>
-          <p:cNvPr id="5" name="Прямоугольник 4"/>
-          <p:cNvSpPr/>
+          <p:cNvPr id="8" name="Номер слайда 36"/>
+          <p:cNvSpPr txBox="1">
+            <a:spLocks/>
+          </p:cNvSpPr>
           <p:nvPr/>
         </p:nvSpPr>
         <p:spPr>
           <a:xfrm>
-            <a:off x="0" y="0"/>
-            <a:ext cx="12192000" cy="6858000"/>
-          </a:xfrm>
-          <a:prstGeom prst="rect">
-            <a:avLst/>
-          </a:prstGeom>
-          <a:solidFill>
-            <a:schemeClr val="tx2">
-              <a:lumMod val="75000"/>
-            </a:schemeClr>
-          </a:solidFill>
+            <a:off x="11208568" y="6128736"/>
+            <a:ext cx="648072" cy="432048"/>
+          </a:xfrm>
+          <a:prstGeom prst="roundRect">
+            <a:avLst/>
+          </a:prstGeom>
+          <a:ln w="25400" cap="flat" cmpd="sng" algn="ctr">
+            <a:solidFill>
+              <a:schemeClr val="tx2">
+                <a:lumMod val="60000"/>
+                <a:lumOff val="40000"/>
+              </a:schemeClr>
+            </a:solidFill>
+            <a:prstDash val="solid"/>
+          </a:ln>
         </p:spPr>
         <p:style>
           <a:lnRef idx="2">
-            <a:schemeClr val="accent1">
-              <a:shade val="50000"/>
-            </a:schemeClr>
+            <a:schemeClr val="accent1"/>
           </a:lnRef>
           <a:fillRef idx="1">
-            <a:schemeClr val="accent1"/>
+            <a:schemeClr val="lt1"/>
           </a:fillRef>
           <a:effectRef idx="0">
             <a:schemeClr val="accent1"/>
           </a:effectRef>
           <a:fontRef idx="minor">
-            <a:schemeClr val="lt1"/>
+            <a:schemeClr val="dk1"/>
           </a:fontRef>
         </p:style>
         <p:txBody>
-          <a:bodyPr rtlCol="0" anchor="ctr"/>
+          <a:bodyPr vert="horz" lIns="91440" tIns="45720" rIns="91440" bIns="45720" rtlCol="0" anchor="ctr"/>
+          <a:lstStyle/>
+          <a:p>
+            <a:pPr algn="ctr">
+              <a:defRPr/>
+            </a:pPr>
+            <a:fld id="{6389AA22-90B4-448C-8B6B-C699140D38B9}" type="slidenum">
+              <a:rPr lang="uk-UA" sz="2400" b="1">
+                <a:solidFill>
+                  <a:schemeClr val="bg1">
+                    <a:lumMod val="50000"/>
+                  </a:schemeClr>
+                </a:solidFill>
+              </a:rPr>
+              <a:pPr algn="ctr">
+                <a:defRPr/>
+              </a:pPr>
+              <a:t>26</a:t>
+            </a:fld>
+            <a:endParaRPr lang="uk-UA" sz="2400" b="1" dirty="0">
+              <a:solidFill>
+                <a:schemeClr val="bg1">
+                  <a:lumMod val="50000"/>
+                </a:schemeClr>
+              </a:solidFill>
+            </a:endParaRPr>
+          </a:p>
+        </p:txBody>
+      </p:sp>
+      <p:pic>
+        <p:nvPicPr>
+          <p:cNvPr id="11" name="Picture 3"/>
+          <p:cNvPicPr>
+            <a:picLocks noChangeAspect="1" noChangeArrowheads="1"/>
+          </p:cNvPicPr>
+          <p:nvPr/>
+        </p:nvPicPr>
+        <p:blipFill>
+          <a:blip r:embed="rId2" cstate="print"/>
+          <a:srcRect/>
+          <a:stretch>
+            <a:fillRect/>
+          </a:stretch>
+        </p:blipFill>
+        <p:spPr bwMode="auto">
+          <a:xfrm>
+            <a:off x="623392" y="1842933"/>
+            <a:ext cx="6245819" cy="3848386"/>
+          </a:xfrm>
+          <a:prstGeom prst="rect">
+            <a:avLst/>
+          </a:prstGeom>
+          <a:noFill/>
+          <a:ln w="9525">
+            <a:noFill/>
+            <a:miter lim="800000"/>
+            <a:headEnd/>
+            <a:tailEnd/>
+          </a:ln>
+        </p:spPr>
+      </p:pic>
+      <p:sp>
+        <p:nvSpPr>
+          <p:cNvPr id="12" name="TextBox 11"/>
+          <p:cNvSpPr txBox="1"/>
+          <p:nvPr/>
+        </p:nvSpPr>
+        <p:spPr>
+          <a:xfrm>
+            <a:off x="7352085" y="2060848"/>
+            <a:ext cx="4720579" cy="2062103"/>
+          </a:xfrm>
+          <a:prstGeom prst="rect">
+            <a:avLst/>
+          </a:prstGeom>
+          <a:noFill/>
+        </p:spPr>
+        <p:txBody>
+          <a:bodyPr wrap="square" rtlCol="0">
+            <a:spAutoFit/>
+          </a:bodyPr>
+          <a:lstStyle/>
+          <a:p>
+            <a:r>
+              <a:rPr lang="en-US" sz="3200" b="1" dirty="0"/>
+              <a:t>CSS Box Model </a:t>
+            </a:r>
+            <a:r>
+              <a:rPr lang="en-US" sz="3200" dirty="0" smtClean="0"/>
+              <a:t>–</a:t>
+            </a:r>
+            <a:r>
+              <a:rPr lang="ru-RU" sz="3200" dirty="0" smtClean="0"/>
+              <a:t> группа стилевых свойств</a:t>
+            </a:r>
+            <a:r>
+              <a:rPr lang="en-US" sz="3200" dirty="0" smtClean="0"/>
+              <a:t> </a:t>
+            </a:r>
+            <a:r>
+              <a:rPr lang="ru-RU" sz="3200" dirty="0" smtClean="0"/>
+              <a:t>описывающих размерности элемента</a:t>
+            </a:r>
+            <a:endParaRPr lang="ru-RU" sz="3200" dirty="0"/>
+          </a:p>
+        </p:txBody>
+      </p:sp>
+      <p:sp>
+        <p:nvSpPr>
+          <p:cNvPr id="2" name="Прямоугольник 1"/>
+          <p:cNvSpPr/>
+          <p:nvPr/>
+        </p:nvSpPr>
+        <p:spPr>
+          <a:xfrm>
+            <a:off x="7283685" y="4354525"/>
+            <a:ext cx="3760217" cy="369332"/>
+          </a:xfrm>
+          <a:prstGeom prst="rect">
+            <a:avLst/>
+          </a:prstGeom>
+          <a:noFill/>
+        </p:spPr>
+        <p:txBody>
+          <a:bodyPr wrap="square">
+            <a:spAutoFit/>
+          </a:bodyPr>
+          <a:lstStyle/>
+          <a:p>
+            <a:r>
+              <a:rPr lang="uk-UA" b="1" dirty="0">
+                <a:hlinkClick r:id="rId3"/>
+              </a:rPr>
+              <a:t>https://webref.ru/css/type/size</a:t>
+            </a:r>
+            <a:endParaRPr lang="uk-UA" b="1" dirty="0"/>
+          </a:p>
+        </p:txBody>
+      </p:sp>
+      <p:sp>
+        <p:nvSpPr>
+          <p:cNvPr id="9" name="TextBox 8"/>
+          <p:cNvSpPr txBox="1"/>
+          <p:nvPr/>
+        </p:nvSpPr>
+        <p:spPr>
+          <a:xfrm>
+            <a:off x="1" y="404664"/>
+            <a:ext cx="12192000" cy="769441"/>
+          </a:xfrm>
+          <a:prstGeom prst="rect">
+            <a:avLst/>
+          </a:prstGeom>
+          <a:noFill/>
+        </p:spPr>
+        <p:txBody>
+          <a:bodyPr wrap="square" rtlCol="0">
+            <a:spAutoFit/>
+          </a:bodyPr>
           <a:lstStyle/>
           <a:p>
             <a:pPr algn="ctr"/>
             <a:r>
-              <a:rPr lang="en-US" sz="6000" b="1" dirty="0"/>
-              <a:t>8</a:t>
-            </a:r>
-            <a:r>
-              <a:rPr lang="en-US" sz="6000" b="1" dirty="0" smtClean="0"/>
-              <a:t>. </a:t>
-            </a:r>
-            <a:r>
-              <a:rPr lang="ru-RU" sz="6000" b="1" dirty="0" smtClean="0"/>
-              <a:t>Задание размеров</a:t>
-            </a:r>
-            <a:endParaRPr lang="en-US" sz="6000" b="1" dirty="0"/>
+              <a:rPr lang="en-US" sz="4400" b="1" dirty="0"/>
+              <a:t>CSS Box Model</a:t>
+            </a:r>
+          </a:p>
+        </p:txBody>
+      </p:sp>
+      <p:sp>
+        <p:nvSpPr>
+          <p:cNvPr id="3" name="Прямоугольник 2"/>
+          <p:cNvSpPr/>
+          <p:nvPr/>
+        </p:nvSpPr>
+        <p:spPr>
+          <a:xfrm>
+            <a:off x="7283685" y="4706918"/>
+            <a:ext cx="4140907" cy="369332"/>
+          </a:xfrm>
+          <a:prstGeom prst="rect">
+            <a:avLst/>
+          </a:prstGeom>
+          <a:noFill/>
+        </p:spPr>
+        <p:txBody>
+          <a:bodyPr wrap="square">
+            <a:spAutoFit/>
+          </a:bodyPr>
+          <a:lstStyle/>
+          <a:p>
+            <a:r>
+              <a:rPr lang="uk-UA" b="1" dirty="0">
+                <a:hlinkClick r:id="rId4"/>
+              </a:rPr>
+              <a:t>https://webref.ru/css/type/margin</a:t>
+            </a:r>
+            <a:endParaRPr lang="uk-UA" b="1" dirty="0"/>
+          </a:p>
+        </p:txBody>
+      </p:sp>
+      <p:sp>
+        <p:nvSpPr>
+          <p:cNvPr id="10" name="Прямоугольник 9"/>
+          <p:cNvSpPr/>
+          <p:nvPr/>
+        </p:nvSpPr>
+        <p:spPr>
+          <a:xfrm>
+            <a:off x="7283685" y="5106785"/>
+            <a:ext cx="4140907" cy="369332"/>
+          </a:xfrm>
+          <a:prstGeom prst="rect">
+            <a:avLst/>
+          </a:prstGeom>
+          <a:noFill/>
+        </p:spPr>
+        <p:txBody>
+          <a:bodyPr wrap="square">
+            <a:spAutoFit/>
+          </a:bodyPr>
+          <a:lstStyle/>
+          <a:p>
+            <a:r>
+              <a:rPr lang="uk-UA" b="1" dirty="0">
+                <a:hlinkClick r:id="rId5"/>
+              </a:rPr>
+              <a:t>https://webref.ru/css/type/</a:t>
+            </a:r>
+            <a:r>
+              <a:rPr lang="en-US" b="1" dirty="0">
+                <a:hlinkClick r:id="rId5"/>
+              </a:rPr>
+              <a:t>padding</a:t>
+            </a:r>
+            <a:endParaRPr lang="uk-UA" b="1" dirty="0"/>
+          </a:p>
+        </p:txBody>
+      </p:sp>
+      <p:sp>
+        <p:nvSpPr>
+          <p:cNvPr id="13" name="Прямоугольник 12"/>
+          <p:cNvSpPr/>
+          <p:nvPr/>
+        </p:nvSpPr>
+        <p:spPr>
+          <a:xfrm>
+            <a:off x="7283684" y="5506653"/>
+            <a:ext cx="4140907" cy="369332"/>
+          </a:xfrm>
+          <a:prstGeom prst="rect">
+            <a:avLst/>
+          </a:prstGeom>
+          <a:noFill/>
+        </p:spPr>
+        <p:txBody>
+          <a:bodyPr wrap="square">
+            <a:spAutoFit/>
+          </a:bodyPr>
+          <a:lstStyle/>
+          <a:p>
+            <a:r>
+              <a:rPr lang="uk-UA" b="1" dirty="0">
+                <a:hlinkClick r:id="rId6"/>
+              </a:rPr>
+              <a:t>https://</a:t>
+            </a:r>
+            <a:r>
+              <a:rPr lang="uk-UA" b="1" dirty="0" smtClean="0">
+                <a:hlinkClick r:id="rId6"/>
+              </a:rPr>
+              <a:t>webref.ru/css/type/</a:t>
+            </a:r>
+            <a:r>
+              <a:rPr lang="en-US" b="1" dirty="0" smtClean="0">
+                <a:hlinkClick r:id="rId6"/>
+              </a:rPr>
+              <a:t>border</a:t>
+            </a:r>
+            <a:endParaRPr lang="uk-UA" b="1" dirty="0"/>
           </a:p>
         </p:txBody>
       </p:sp>
     </p:spTree>
     <p:extLst>
       <p:ext uri="{BB962C8B-B14F-4D97-AF65-F5344CB8AC3E}">
-        <p14:creationId xmlns:p14="http://schemas.microsoft.com/office/powerpoint/2010/main" val="1574259268"/>
+        <p14:creationId xmlns:p14="http://schemas.microsoft.com/office/powerpoint/2010/main" val="1391319942"/>
       </p:ext>
     </p:extLst>
   </p:cSld>
@@ -8713,7 +8757,7 @@
       </p:grpSpPr>
       <p:sp>
         <p:nvSpPr>
-          <p:cNvPr id="8" name="Номер слайда 36"/>
+          <p:cNvPr id="3" name="Номер слайда 36"/>
           <p:cNvSpPr txBox="1">
             <a:spLocks/>
           </p:cNvSpPr>
@@ -8721,7 +8765,7 @@
         </p:nvSpPr>
         <p:spPr>
           <a:xfrm>
-            <a:off x="11208568" y="6128736"/>
+            <a:off x="11208568" y="6165304"/>
             <a:ext cx="648072" cy="432048"/>
           </a:xfrm>
           <a:prstGeom prst="roundRect">
@@ -8781,48 +8825,16 @@
           </a:p>
         </p:txBody>
       </p:sp>
-      <p:pic>
-        <p:nvPicPr>
-          <p:cNvPr id="11" name="Picture 3"/>
-          <p:cNvPicPr>
-            <a:picLocks noChangeAspect="1" noChangeArrowheads="1"/>
-          </p:cNvPicPr>
-          <p:nvPr/>
-        </p:nvPicPr>
-        <p:blipFill>
-          <a:blip r:embed="rId2" cstate="print"/>
-          <a:srcRect/>
-          <a:stretch>
-            <a:fillRect/>
-          </a:stretch>
-        </p:blipFill>
-        <p:spPr bwMode="auto">
-          <a:xfrm>
-            <a:off x="623392" y="1842933"/>
-            <a:ext cx="6245819" cy="3848386"/>
-          </a:xfrm>
-          <a:prstGeom prst="rect">
-            <a:avLst/>
-          </a:prstGeom>
-          <a:noFill/>
-          <a:ln w="9525">
-            <a:noFill/>
-            <a:miter lim="800000"/>
-            <a:headEnd/>
-            <a:tailEnd/>
-          </a:ln>
-        </p:spPr>
-      </p:pic>
-      <p:sp>
-        <p:nvSpPr>
-          <p:cNvPr id="12" name="TextBox 11"/>
+      <p:sp>
+        <p:nvSpPr>
+          <p:cNvPr id="4" name="TextBox 3"/>
           <p:cNvSpPr txBox="1"/>
           <p:nvPr/>
         </p:nvSpPr>
         <p:spPr>
           <a:xfrm>
-            <a:off x="7352085" y="2060848"/>
-            <a:ext cx="4720579" cy="2062103"/>
+            <a:off x="0" y="262389"/>
+            <a:ext cx="12192000" cy="646331"/>
           </a:xfrm>
           <a:prstGeom prst="rect">
             <a:avLst/>
@@ -8835,40 +8847,63 @@
           </a:bodyPr>
           <a:lstStyle/>
           <a:p>
-            <a:r>
-              <a:rPr lang="en-US" sz="3200" b="1" dirty="0"/>
-              <a:t>CSS Box Model </a:t>
-            </a:r>
-            <a:r>
-              <a:rPr lang="en-US" sz="3200" dirty="0" smtClean="0"/>
-              <a:t>–</a:t>
-            </a:r>
-            <a:r>
-              <a:rPr lang="ru-RU" sz="3200" dirty="0" smtClean="0"/>
-              <a:t> группа стилевых свойств</a:t>
-            </a:r>
-            <a:r>
-              <a:rPr lang="en-US" sz="3200" dirty="0" smtClean="0"/>
-              <a:t> </a:t>
-            </a:r>
-            <a:r>
-              <a:rPr lang="ru-RU" sz="3200" dirty="0" smtClean="0"/>
-              <a:t>описывающих размерности элемента</a:t>
-            </a:r>
-            <a:endParaRPr lang="ru-RU" sz="3200" dirty="0"/>
-          </a:p>
-        </p:txBody>
-      </p:sp>
-      <p:sp>
-        <p:nvSpPr>
-          <p:cNvPr id="2" name="Прямоугольник 1"/>
+            <a:pPr algn="ctr"/>
+            <a:r>
+              <a:rPr lang="en-US" sz="3600" b="1" dirty="0"/>
+              <a:t>CSS Box Model</a:t>
+            </a:r>
+          </a:p>
+        </p:txBody>
+      </p:sp>
+      <p:sp>
+        <p:nvSpPr>
+          <p:cNvPr id="6" name="Левая фигурная скобка 5"/>
           <p:cNvSpPr/>
           <p:nvPr/>
         </p:nvSpPr>
         <p:spPr>
           <a:xfrm>
-            <a:off x="7283685" y="4354525"/>
-            <a:ext cx="3760217" cy="369332"/>
+            <a:off x="2711624" y="1027224"/>
+            <a:ext cx="864096" cy="1944216"/>
+          </a:xfrm>
+          <a:prstGeom prst="leftBrace">
+            <a:avLst/>
+          </a:prstGeom>
+          <a:ln w="57150"/>
+        </p:spPr>
+        <p:style>
+          <a:lnRef idx="1">
+            <a:schemeClr val="accent1"/>
+          </a:lnRef>
+          <a:fillRef idx="0">
+            <a:schemeClr val="accent1"/>
+          </a:fillRef>
+          <a:effectRef idx="0">
+            <a:schemeClr val="accent1"/>
+          </a:effectRef>
+          <a:fontRef idx="minor">
+            <a:schemeClr val="tx1"/>
+          </a:fontRef>
+        </p:style>
+        <p:txBody>
+          <a:bodyPr rtlCol="0" anchor="ctr"/>
+          <a:lstStyle/>
+          <a:p>
+            <a:pPr algn="ctr"/>
+            <a:endParaRPr lang="ru-RU"/>
+          </a:p>
+        </p:txBody>
+      </p:sp>
+      <p:sp>
+        <p:nvSpPr>
+          <p:cNvPr id="7" name="TextBox 6"/>
+          <p:cNvSpPr txBox="1"/>
+          <p:nvPr/>
+        </p:nvSpPr>
+        <p:spPr>
+          <a:xfrm>
+            <a:off x="407368" y="1721271"/>
+            <a:ext cx="2307555" cy="523220"/>
           </a:xfrm>
           <a:prstGeom prst="rect">
             <a:avLst/>
@@ -8876,18 +8911,64 @@
           <a:noFill/>
         </p:spPr>
         <p:txBody>
-          <a:bodyPr wrap="square">
+          <a:bodyPr wrap="none" rtlCol="0">
             <a:spAutoFit/>
           </a:bodyPr>
           <a:lstStyle/>
           <a:p>
             <a:r>
-              <a:rPr lang="uk-UA" b="1" dirty="0">
-                <a:hlinkClick r:id="rId3"/>
-              </a:rPr>
-              <a:t>https://webref.ru/css/type/size</a:t>
-            </a:r>
-            <a:endParaRPr lang="uk-UA" b="1" dirty="0"/>
+              <a:rPr lang="en-US" sz="2800" b="1" dirty="0"/>
+              <a:t>margin: 10px; </a:t>
+            </a:r>
+            <a:endParaRPr lang="ru-RU" sz="2800" b="1" dirty="0"/>
+          </a:p>
+        </p:txBody>
+      </p:sp>
+      <p:sp>
+        <p:nvSpPr>
+          <p:cNvPr id="8" name="TextBox 7"/>
+          <p:cNvSpPr txBox="1"/>
+          <p:nvPr/>
+        </p:nvSpPr>
+        <p:spPr>
+          <a:xfrm>
+            <a:off x="3503712" y="1060016"/>
+            <a:ext cx="3447547" cy="1815882"/>
+          </a:xfrm>
+          <a:prstGeom prst="rect">
+            <a:avLst/>
+          </a:prstGeom>
+          <a:noFill/>
+        </p:spPr>
+        <p:txBody>
+          <a:bodyPr wrap="none" rtlCol="0">
+            <a:spAutoFit/>
+          </a:bodyPr>
+          <a:lstStyle/>
+          <a:p>
+            <a:r>
+              <a:rPr lang="en-US" sz="2800" b="1" dirty="0"/>
+              <a:t>margin-top: 10px;</a:t>
+            </a:r>
+          </a:p>
+          <a:p>
+            <a:r>
+              <a:rPr lang="en-US" sz="2800" b="1" dirty="0"/>
+              <a:t>margin-right: 10px;</a:t>
+            </a:r>
+          </a:p>
+          <a:p>
+            <a:r>
+              <a:rPr lang="en-US" sz="2800" b="1" dirty="0"/>
+              <a:t>margin-bottom: 10px;</a:t>
+            </a:r>
+          </a:p>
+          <a:p>
+            <a:r>
+              <a:rPr lang="en-US" sz="2800" b="1" dirty="0"/>
+              <a:t>margin-left: 10px;</a:t>
+            </a:r>
+            <a:endParaRPr lang="ru-RU" sz="2800" b="1" dirty="0"/>
           </a:p>
         </p:txBody>
       </p:sp>
@@ -8899,8 +8980,8 @@
         </p:nvSpPr>
         <p:spPr>
           <a:xfrm>
-            <a:off x="1" y="404664"/>
-            <a:ext cx="12192000" cy="769441"/>
+            <a:off x="7464152" y="1124744"/>
+            <a:ext cx="4464496" cy="4154984"/>
           </a:xfrm>
           <a:prstGeom prst="rect">
             <a:avLst/>
@@ -8913,24 +8994,165 @@
           </a:bodyPr>
           <a:lstStyle/>
           <a:p>
-            <a:pPr algn="ctr"/>
-            <a:r>
-              <a:rPr lang="en-US" sz="4400" b="1" dirty="0"/>
-              <a:t>CSS Box Model</a:t>
-            </a:r>
-          </a:p>
-        </p:txBody>
-      </p:sp>
-      <p:sp>
-        <p:nvSpPr>
-          <p:cNvPr id="3" name="Прямоугольник 2"/>
+            <a:r>
+              <a:rPr lang="ru-RU" sz="2200" dirty="0"/>
+              <a:t>Отступы</a:t>
+            </a:r>
+            <a:r>
+              <a:rPr lang="en-US" sz="2200" dirty="0"/>
+              <a:t> (</a:t>
+            </a:r>
+            <a:r>
+              <a:rPr lang="ru-RU" sz="2200" dirty="0"/>
+              <a:t>как </a:t>
+            </a:r>
+            <a:r>
+              <a:rPr lang="en-US" sz="2200" b="1" dirty="0"/>
+              <a:t>padding</a:t>
+            </a:r>
+            <a:r>
+              <a:rPr lang="en-US" sz="2200" dirty="0"/>
+              <a:t> </a:t>
+            </a:r>
+            <a:r>
+              <a:rPr lang="ru-RU" sz="2200" dirty="0"/>
+              <a:t>так и </a:t>
+            </a:r>
+            <a:r>
+              <a:rPr lang="en-US" sz="2200" b="1" dirty="0"/>
+              <a:t>margin</a:t>
+            </a:r>
+            <a:r>
+              <a:rPr lang="en-US" sz="2200" dirty="0"/>
+              <a:t>)</a:t>
+            </a:r>
+            <a:r>
+              <a:rPr lang="ru-RU" sz="2200" dirty="0"/>
+              <a:t> можно задать для каждой стороны в отдельности</a:t>
+            </a:r>
+            <a:r>
+              <a:rPr lang="en-US" sz="2200" dirty="0"/>
+              <a:t>. </a:t>
+            </a:r>
+            <a:r>
+              <a:rPr lang="ru-RU" sz="2200" dirty="0"/>
+              <a:t>Свойство </a:t>
+            </a:r>
+            <a:r>
+              <a:rPr lang="en-US" sz="2200" b="1" dirty="0"/>
+              <a:t>border</a:t>
+            </a:r>
+            <a:r>
+              <a:rPr lang="en-US" sz="2200" dirty="0"/>
+              <a:t> </a:t>
+            </a:r>
+            <a:r>
+              <a:rPr lang="ru-RU" sz="2200" dirty="0"/>
+              <a:t>также возможно установить для каждой стороны отдельно</a:t>
+            </a:r>
+            <a:r>
+              <a:rPr lang="ru-RU" sz="2200" dirty="0" smtClean="0"/>
+              <a:t>.</a:t>
+            </a:r>
+            <a:r>
+              <a:rPr lang="en-US" sz="2200" dirty="0" smtClean="0"/>
+              <a:t> </a:t>
+            </a:r>
+            <a:r>
+              <a:rPr lang="ru-RU" sz="2200" dirty="0" smtClean="0"/>
+              <a:t>Есть возможность задать сразу четыре значения через пробел (</a:t>
+            </a:r>
+            <a:r>
+              <a:rPr lang="en-US" sz="2200" b="1" dirty="0" smtClean="0"/>
+              <a:t>top, right, bottom, left</a:t>
+            </a:r>
+            <a:r>
+              <a:rPr lang="ru-RU" sz="2200" dirty="0" smtClean="0"/>
+              <a:t>)</a:t>
+            </a:r>
+            <a:r>
+              <a:rPr lang="en-US" sz="2200" dirty="0" smtClean="0"/>
+              <a:t>. </a:t>
+            </a:r>
+            <a:r>
+              <a:rPr lang="ru-RU" sz="2200" dirty="0" smtClean="0"/>
+              <a:t>А также для левого и правого отступа </a:t>
+            </a:r>
+            <a:r>
+              <a:rPr lang="en-US" sz="2200" dirty="0" smtClean="0"/>
+              <a:t>margin </a:t>
+            </a:r>
+            <a:r>
+              <a:rPr lang="ru-RU" sz="2200" dirty="0" smtClean="0"/>
+              <a:t>есть возможность задать автоматических расчёт отступов при помощи значения </a:t>
+            </a:r>
+            <a:r>
+              <a:rPr lang="en-US" sz="2200" b="1" dirty="0" smtClean="0">
+                <a:solidFill>
+                  <a:schemeClr val="accent6">
+                    <a:lumMod val="75000"/>
+                  </a:schemeClr>
+                </a:solidFill>
+              </a:rPr>
+              <a:t>auto</a:t>
+            </a:r>
+            <a:r>
+              <a:rPr lang="en-US" sz="2200" dirty="0" smtClean="0"/>
+              <a:t>.</a:t>
+            </a:r>
+            <a:endParaRPr lang="ru-RU" sz="2200" dirty="0"/>
+          </a:p>
+        </p:txBody>
+      </p:sp>
+      <p:sp>
+        <p:nvSpPr>
+          <p:cNvPr id="13" name="Левая фигурная скобка 12"/>
           <p:cNvSpPr/>
           <p:nvPr/>
         </p:nvSpPr>
         <p:spPr>
           <a:xfrm>
-            <a:off x="7283685" y="4706918"/>
-            <a:ext cx="4140907" cy="369332"/>
+            <a:off x="3383925" y="3717032"/>
+            <a:ext cx="864096" cy="1944216"/>
+          </a:xfrm>
+          <a:prstGeom prst="leftBrace">
+            <a:avLst/>
+          </a:prstGeom>
+          <a:ln w="57150"/>
+        </p:spPr>
+        <p:style>
+          <a:lnRef idx="1">
+            <a:schemeClr val="accent1"/>
+          </a:lnRef>
+          <a:fillRef idx="0">
+            <a:schemeClr val="accent1"/>
+          </a:fillRef>
+          <a:effectRef idx="0">
+            <a:schemeClr val="accent1"/>
+          </a:effectRef>
+          <a:fontRef idx="minor">
+            <a:schemeClr val="tx1"/>
+          </a:fontRef>
+        </p:style>
+        <p:txBody>
+          <a:bodyPr rtlCol="0" anchor="ctr"/>
+          <a:lstStyle/>
+          <a:p>
+            <a:pPr algn="ctr"/>
+            <a:endParaRPr lang="ru-RU"/>
+          </a:p>
+        </p:txBody>
+      </p:sp>
+      <p:sp>
+        <p:nvSpPr>
+          <p:cNvPr id="14" name="TextBox 13"/>
+          <p:cNvSpPr txBox="1"/>
+          <p:nvPr/>
+        </p:nvSpPr>
+        <p:spPr>
+          <a:xfrm>
+            <a:off x="335360" y="4504474"/>
+            <a:ext cx="3082767" cy="369332"/>
           </a:xfrm>
           <a:prstGeom prst="rect">
             <a:avLst/>
@@ -8938,31 +9160,33 @@
           <a:noFill/>
         </p:spPr>
         <p:txBody>
-          <a:bodyPr wrap="square">
+          <a:bodyPr wrap="none" rtlCol="0">
             <a:spAutoFit/>
           </a:bodyPr>
           <a:lstStyle/>
           <a:p>
             <a:r>
-              <a:rPr lang="uk-UA" b="1" dirty="0">
-                <a:hlinkClick r:id="rId4"/>
-              </a:rPr>
-              <a:t>https://webref.ru/css/type/margin</a:t>
-            </a:r>
-            <a:endParaRPr lang="uk-UA" b="1" dirty="0"/>
-          </a:p>
-        </p:txBody>
-      </p:sp>
-      <p:sp>
-        <p:nvSpPr>
-          <p:cNvPr id="10" name="Прямоугольник 9"/>
-          <p:cNvSpPr/>
+              <a:rPr lang="en-US" b="1" dirty="0"/>
+              <a:t>margin: </a:t>
+            </a:r>
+            <a:r>
+              <a:rPr lang="en-US" b="1" dirty="0" smtClean="0"/>
+              <a:t>10px 20px 30px 40px; </a:t>
+            </a:r>
+            <a:endParaRPr lang="ru-RU" b="1" dirty="0"/>
+          </a:p>
+        </p:txBody>
+      </p:sp>
+      <p:sp>
+        <p:nvSpPr>
+          <p:cNvPr id="15" name="TextBox 14"/>
+          <p:cNvSpPr txBox="1"/>
           <p:nvPr/>
         </p:nvSpPr>
         <p:spPr>
           <a:xfrm>
-            <a:off x="7283685" y="5106785"/>
-            <a:ext cx="4140907" cy="369332"/>
+            <a:off x="4096309" y="3920276"/>
+            <a:ext cx="2977354" cy="1569660"/>
           </a:xfrm>
           <a:prstGeom prst="rect">
             <a:avLst/>
@@ -8970,75 +9194,65 @@
           <a:noFill/>
         </p:spPr>
         <p:txBody>
-          <a:bodyPr wrap="square">
+          <a:bodyPr wrap="none" rtlCol="0">
             <a:spAutoFit/>
           </a:bodyPr>
           <a:lstStyle/>
           <a:p>
             <a:r>
-              <a:rPr lang="uk-UA" b="1" dirty="0">
-                <a:hlinkClick r:id="rId5"/>
-              </a:rPr>
-              <a:t>https://webref.ru/css/type/</a:t>
-            </a:r>
-            <a:r>
-              <a:rPr lang="en-US" b="1" dirty="0">
-                <a:hlinkClick r:id="rId5"/>
-              </a:rPr>
-              <a:t>padding</a:t>
-            </a:r>
-            <a:endParaRPr lang="uk-UA" b="1" dirty="0"/>
-          </a:p>
-        </p:txBody>
-      </p:sp>
-      <p:sp>
-        <p:nvSpPr>
-          <p:cNvPr id="13" name="Прямоугольник 12"/>
-          <p:cNvSpPr/>
-          <p:nvPr/>
-        </p:nvSpPr>
-        <p:spPr>
-          <a:xfrm>
-            <a:off x="7283684" y="5506653"/>
-            <a:ext cx="4140907" cy="369332"/>
-          </a:xfrm>
-          <a:prstGeom prst="rect">
-            <a:avLst/>
-          </a:prstGeom>
-          <a:noFill/>
-        </p:spPr>
-        <p:txBody>
-          <a:bodyPr wrap="square">
-            <a:spAutoFit/>
-          </a:bodyPr>
-          <a:lstStyle/>
-          <a:p>
-            <a:r>
-              <a:rPr lang="uk-UA" b="1" dirty="0">
-                <a:hlinkClick r:id="rId6"/>
-              </a:rPr>
-              <a:t>https://</a:t>
-            </a:r>
-            <a:r>
-              <a:rPr lang="uk-UA" b="1" dirty="0" smtClean="0">
-                <a:hlinkClick r:id="rId6"/>
-              </a:rPr>
-              <a:t>webref.ru/css/type/</a:t>
-            </a:r>
-            <a:r>
-              <a:rPr lang="en-US" b="1" dirty="0" smtClean="0">
-                <a:hlinkClick r:id="rId6"/>
-              </a:rPr>
-              <a:t>border</a:t>
-            </a:r>
-            <a:endParaRPr lang="uk-UA" b="1" dirty="0"/>
+              <a:rPr lang="en-US" sz="2400" b="1" dirty="0"/>
+              <a:t>margin-top: 10px;</a:t>
+            </a:r>
+          </a:p>
+          <a:p>
+            <a:r>
+              <a:rPr lang="en-US" sz="2400" b="1" dirty="0"/>
+              <a:t>margin-right: </a:t>
+            </a:r>
+            <a:r>
+              <a:rPr lang="en-US" sz="2400" b="1" dirty="0" smtClean="0"/>
+              <a:t>20px</a:t>
+            </a:r>
+            <a:r>
+              <a:rPr lang="en-US" sz="2400" b="1" dirty="0"/>
+              <a:t>;</a:t>
+            </a:r>
+          </a:p>
+          <a:p>
+            <a:r>
+              <a:rPr lang="en-US" sz="2400" b="1" dirty="0"/>
+              <a:t>margin-bottom: </a:t>
+            </a:r>
+            <a:r>
+              <a:rPr lang="en-US" sz="2400" b="1" dirty="0" smtClean="0"/>
+              <a:t>30px</a:t>
+            </a:r>
+            <a:r>
+              <a:rPr lang="en-US" sz="2400" b="1" dirty="0"/>
+              <a:t>;</a:t>
+            </a:r>
+          </a:p>
+          <a:p>
+            <a:r>
+              <a:rPr lang="en-US" sz="2400" b="1" dirty="0"/>
+              <a:t>margin-left: </a:t>
+            </a:r>
+            <a:r>
+              <a:rPr lang="en-US" sz="2400" b="1" dirty="0" smtClean="0"/>
+              <a:t>40px</a:t>
+            </a:r>
+            <a:r>
+              <a:rPr lang="en-US" sz="2400" b="1" dirty="0"/>
+              <a:t>;</a:t>
+            </a:r>
+            <a:endParaRPr lang="ru-RU" sz="2400" b="1" dirty="0"/>
           </a:p>
         </p:txBody>
       </p:sp>
     </p:spTree>
     <p:extLst>
       <p:ext uri="{BB962C8B-B14F-4D97-AF65-F5344CB8AC3E}">
-        <p14:creationId xmlns:p14="http://schemas.microsoft.com/office/powerpoint/2010/main" val="1391319942"/>
+        <p14:creationId xmlns:p14="http://schemas.microsoft.com/office/powerpoint/2010/main" val="1291096699"/>
       </p:ext>
     </p:extLst>
   </p:cSld>
@@ -9074,7 +9288,7 @@
       </p:grpSpPr>
       <p:sp>
         <p:nvSpPr>
-          <p:cNvPr id="3" name="Номер слайда 36"/>
+          <p:cNvPr id="7" name="Номер слайда 36"/>
           <p:cNvSpPr txBox="1">
             <a:spLocks/>
           </p:cNvSpPr>
@@ -9082,7 +9296,7 @@
         </p:nvSpPr>
         <p:spPr>
           <a:xfrm>
-            <a:off x="11208568" y="6165304"/>
+            <a:off x="11136560" y="6165304"/>
             <a:ext cx="648072" cy="432048"/>
           </a:xfrm>
           <a:prstGeom prst="roundRect">
@@ -9144,14 +9358,14 @@
       </p:sp>
       <p:sp>
         <p:nvSpPr>
-          <p:cNvPr id="4" name="TextBox 3"/>
+          <p:cNvPr id="3" name="TextBox 2"/>
           <p:cNvSpPr txBox="1"/>
           <p:nvPr/>
         </p:nvSpPr>
         <p:spPr>
           <a:xfrm>
-            <a:off x="0" y="262389"/>
-            <a:ext cx="12192000" cy="646331"/>
+            <a:off x="0" y="251938"/>
+            <a:ext cx="12191999" cy="646331"/>
           </a:xfrm>
           <a:prstGeom prst="rect">
             <a:avLst/>
@@ -9166,139 +9380,133 @@
           <a:p>
             <a:pPr algn="ctr"/>
             <a:r>
-              <a:rPr lang="en-US" sz="3600" b="1" dirty="0"/>
-              <a:t>CSS Box Model</a:t>
-            </a:r>
-          </a:p>
-        </p:txBody>
-      </p:sp>
-      <p:sp>
-        <p:nvSpPr>
-          <p:cNvPr id="6" name="Левая фигурная скобка 5"/>
+              <a:rPr lang="ru-RU" sz="3600" b="1" dirty="0" err="1" smtClean="0"/>
+              <a:t>Скругление</a:t>
+            </a:r>
+            <a:r>
+              <a:rPr lang="ru-RU" sz="3600" b="1" dirty="0" smtClean="0"/>
+              <a:t> углов и тень от блока</a:t>
+            </a:r>
+            <a:endParaRPr lang="en-US" sz="3600" b="1" dirty="0"/>
+          </a:p>
+        </p:txBody>
+      </p:sp>
+      <p:pic>
+        <p:nvPicPr>
+          <p:cNvPr id="5" name="Рисунок 4"/>
+          <p:cNvPicPr>
+            <a:picLocks noChangeAspect="1"/>
+          </p:cNvPicPr>
+          <p:nvPr/>
+        </p:nvPicPr>
+        <p:blipFill>
+          <a:blip r:embed="rId2"/>
+          <a:stretch>
+            <a:fillRect/>
+          </a:stretch>
+        </p:blipFill>
+        <p:spPr>
+          <a:xfrm>
+            <a:off x="966937" y="1370479"/>
+            <a:ext cx="3743325" cy="2762250"/>
+          </a:xfrm>
+          <a:prstGeom prst="rect">
+            <a:avLst/>
+          </a:prstGeom>
+          <a:ln>
+            <a:solidFill>
+              <a:schemeClr val="bg1">
+                <a:lumMod val="75000"/>
+              </a:schemeClr>
+            </a:solidFill>
+          </a:ln>
+          <a:effectLst>
+            <a:outerShdw blurRad="292100" dist="139700" dir="2700000" algn="tl" rotWithShape="0">
+              <a:srgbClr val="333333">
+                <a:alpha val="65000"/>
+              </a:srgbClr>
+            </a:outerShdw>
+          </a:effectLst>
+        </p:spPr>
+      </p:pic>
+      <p:sp>
+        <p:nvSpPr>
+          <p:cNvPr id="6" name="Прямоугольник 5"/>
           <p:cNvSpPr/>
           <p:nvPr/>
         </p:nvSpPr>
         <p:spPr>
           <a:xfrm>
-            <a:off x="2711624" y="1027224"/>
-            <a:ext cx="864096" cy="1944216"/>
-          </a:xfrm>
-          <a:prstGeom prst="leftBrace">
-            <a:avLst/>
-          </a:prstGeom>
-          <a:ln w="57150"/>
-        </p:spPr>
-        <p:style>
-          <a:lnRef idx="1">
-            <a:schemeClr val="accent1"/>
-          </a:lnRef>
-          <a:fillRef idx="0">
-            <a:schemeClr val="accent1"/>
-          </a:fillRef>
-          <a:effectRef idx="0">
-            <a:schemeClr val="accent1"/>
-          </a:effectRef>
-          <a:fontRef idx="minor">
-            <a:schemeClr val="tx1"/>
-          </a:fontRef>
-        </p:style>
-        <p:txBody>
-          <a:bodyPr rtlCol="0" anchor="ctr"/>
-          <a:lstStyle/>
-          <a:p>
-            <a:pPr algn="ctr"/>
-            <a:endParaRPr lang="ru-RU"/>
-          </a:p>
-        </p:txBody>
-      </p:sp>
-      <p:sp>
-        <p:nvSpPr>
-          <p:cNvPr id="7" name="TextBox 6"/>
+            <a:off x="1230885" y="5405538"/>
+            <a:ext cx="3642920" cy="369332"/>
+          </a:xfrm>
+          <a:prstGeom prst="rect">
+            <a:avLst/>
+          </a:prstGeom>
+        </p:spPr>
+        <p:txBody>
+          <a:bodyPr wrap="none">
+            <a:spAutoFit/>
+          </a:bodyPr>
+          <a:lstStyle/>
+          <a:p>
+            <a:r>
+              <a:rPr lang="en-US" b="1" dirty="0">
+                <a:hlinkClick r:id="rId3"/>
+              </a:rPr>
+              <a:t>https://</a:t>
+            </a:r>
+            <a:r>
+              <a:rPr lang="en-US" b="1" dirty="0" smtClean="0">
+                <a:hlinkClick r:id="rId3"/>
+              </a:rPr>
+              <a:t>webref.ru/css/border-radius</a:t>
+            </a:r>
+            <a:endParaRPr lang="uk-UA" b="1" dirty="0"/>
+          </a:p>
+        </p:txBody>
+      </p:sp>
+      <p:sp>
+        <p:nvSpPr>
+          <p:cNvPr id="12" name="Прямоугольник 11"/>
+          <p:cNvSpPr/>
+          <p:nvPr/>
+        </p:nvSpPr>
+        <p:spPr>
+          <a:xfrm>
+            <a:off x="1230885" y="4790282"/>
+            <a:ext cx="3506281" cy="369332"/>
+          </a:xfrm>
+          <a:prstGeom prst="rect">
+            <a:avLst/>
+          </a:prstGeom>
+        </p:spPr>
+        <p:txBody>
+          <a:bodyPr wrap="none">
+            <a:spAutoFit/>
+          </a:bodyPr>
+          <a:lstStyle/>
+          <a:p>
+            <a:r>
+              <a:rPr lang="en-US" b="1" dirty="0">
+                <a:hlinkClick r:id="rId4"/>
+              </a:rPr>
+              <a:t>https://webref.ru/css/box-shadow</a:t>
+            </a:r>
+            <a:endParaRPr lang="uk-UA" b="1" dirty="0"/>
+          </a:p>
+        </p:txBody>
+      </p:sp>
+      <p:sp>
+        <p:nvSpPr>
+          <p:cNvPr id="13" name="TextBox 12"/>
           <p:cNvSpPr txBox="1"/>
           <p:nvPr/>
         </p:nvSpPr>
         <p:spPr>
           <a:xfrm>
-            <a:off x="407368" y="1721271"/>
-            <a:ext cx="2307555" cy="523220"/>
-          </a:xfrm>
-          <a:prstGeom prst="rect">
-            <a:avLst/>
-          </a:prstGeom>
-          <a:noFill/>
-        </p:spPr>
-        <p:txBody>
-          <a:bodyPr wrap="none" rtlCol="0">
-            <a:spAutoFit/>
-          </a:bodyPr>
-          <a:lstStyle/>
-          <a:p>
-            <a:r>
-              <a:rPr lang="en-US" sz="2800" b="1" dirty="0"/>
-              <a:t>margin: 10px; </a:t>
-            </a:r>
-            <a:endParaRPr lang="ru-RU" sz="2800" b="1" dirty="0"/>
-          </a:p>
-        </p:txBody>
-      </p:sp>
-      <p:sp>
-        <p:nvSpPr>
-          <p:cNvPr id="8" name="TextBox 7"/>
-          <p:cNvSpPr txBox="1"/>
-          <p:nvPr/>
-        </p:nvSpPr>
-        <p:spPr>
-          <a:xfrm>
-            <a:off x="3503712" y="1060016"/>
-            <a:ext cx="3447547" cy="1815882"/>
-          </a:xfrm>
-          <a:prstGeom prst="rect">
-            <a:avLst/>
-          </a:prstGeom>
-          <a:noFill/>
-        </p:spPr>
-        <p:txBody>
-          <a:bodyPr wrap="none" rtlCol="0">
-            <a:spAutoFit/>
-          </a:bodyPr>
-          <a:lstStyle/>
-          <a:p>
-            <a:r>
-              <a:rPr lang="en-US" sz="2800" b="1" dirty="0"/>
-              <a:t>margin-top: 10px;</a:t>
-            </a:r>
-          </a:p>
-          <a:p>
-            <a:r>
-              <a:rPr lang="en-US" sz="2800" b="1" dirty="0"/>
-              <a:t>margin-right: 10px;</a:t>
-            </a:r>
-          </a:p>
-          <a:p>
-            <a:r>
-              <a:rPr lang="en-US" sz="2800" b="1" dirty="0"/>
-              <a:t>margin-bottom: 10px;</a:t>
-            </a:r>
-          </a:p>
-          <a:p>
-            <a:r>
-              <a:rPr lang="en-US" sz="2800" b="1" dirty="0"/>
-              <a:t>margin-left: 10px;</a:t>
-            </a:r>
-            <a:endParaRPr lang="ru-RU" sz="2800" b="1" dirty="0"/>
-          </a:p>
-        </p:txBody>
-      </p:sp>
-      <p:sp>
-        <p:nvSpPr>
-          <p:cNvPr id="9" name="TextBox 8"/>
-          <p:cNvSpPr txBox="1"/>
-          <p:nvPr/>
-        </p:nvSpPr>
-        <p:spPr>
-          <a:xfrm>
-            <a:off x="7464152" y="1124744"/>
-            <a:ext cx="4464496" cy="4154984"/>
+            <a:off x="5591944" y="1455073"/>
+            <a:ext cx="6048672" cy="2677656"/>
           </a:xfrm>
           <a:prstGeom prst="rect">
             <a:avLst/>
@@ -9312,264 +9520,71 @@
           <a:lstStyle/>
           <a:p>
             <a:r>
-              <a:rPr lang="ru-RU" sz="2200" dirty="0"/>
-              <a:t>Отступы</a:t>
-            </a:r>
-            <a:r>
-              <a:rPr lang="en-US" sz="2200" dirty="0"/>
-              <a:t> (</a:t>
-            </a:r>
-            <a:r>
-              <a:rPr lang="ru-RU" sz="2200" dirty="0"/>
-              <a:t>как </a:t>
-            </a:r>
-            <a:r>
-              <a:rPr lang="en-US" sz="2200" b="1" dirty="0"/>
-              <a:t>padding</a:t>
-            </a:r>
-            <a:r>
-              <a:rPr lang="en-US" sz="2200" dirty="0"/>
+              <a:rPr lang="ru-RU" sz="2800" dirty="0" smtClean="0"/>
+              <a:t>Свойство </a:t>
+            </a:r>
+            <a:r>
+              <a:rPr lang="en-US" sz="2800" b="1" dirty="0" smtClean="0">
+                <a:solidFill>
+                  <a:srgbClr val="7030A0"/>
+                </a:solidFill>
+              </a:rPr>
+              <a:t>border-radius</a:t>
+            </a:r>
+            <a:r>
+              <a:rPr lang="en-US" sz="2800" dirty="0" smtClean="0"/>
               <a:t> </a:t>
             </a:r>
             <a:r>
-              <a:rPr lang="ru-RU" sz="2200" dirty="0"/>
-              <a:t>так и </a:t>
-            </a:r>
-            <a:r>
-              <a:rPr lang="en-US" sz="2200" b="1" dirty="0"/>
-              <a:t>margin</a:t>
-            </a:r>
-            <a:r>
-              <a:rPr lang="en-US" sz="2200" dirty="0"/>
-              <a:t>)</a:t>
-            </a:r>
-            <a:r>
-              <a:rPr lang="ru-RU" sz="2200" dirty="0"/>
-              <a:t> можно задать для каждой стороны в отдельности</a:t>
-            </a:r>
-            <a:r>
-              <a:rPr lang="en-US" sz="2200" dirty="0"/>
-              <a:t>. </a:t>
-            </a:r>
-            <a:r>
-              <a:rPr lang="ru-RU" sz="2200" dirty="0"/>
+              <a:rPr lang="ru-RU" sz="2800" dirty="0" smtClean="0"/>
+              <a:t>позволяет задать радиус округления уголков рамки.</a:t>
+            </a:r>
+            <a:r>
+              <a:rPr lang="en-US" sz="2800" dirty="0" smtClean="0"/>
+              <a:t> </a:t>
+            </a:r>
+            <a:r>
+              <a:rPr lang="ru-RU" sz="2800" dirty="0" smtClean="0"/>
               <a:t>Свойство </a:t>
             </a:r>
             <a:r>
-              <a:rPr lang="en-US" sz="2200" b="1" dirty="0"/>
-              <a:t>border</a:t>
-            </a:r>
-            <a:r>
-              <a:rPr lang="en-US" sz="2200" dirty="0"/>
+              <a:rPr lang="en-US" sz="2800" b="1" dirty="0" smtClean="0">
+                <a:solidFill>
+                  <a:srgbClr val="00B050"/>
+                </a:solidFill>
+              </a:rPr>
+              <a:t>box-shadow</a:t>
+            </a:r>
+            <a:r>
+              <a:rPr lang="en-US" sz="2800" dirty="0" smtClean="0"/>
               <a:t> </a:t>
             </a:r>
             <a:r>
-              <a:rPr lang="ru-RU" sz="2200" dirty="0"/>
-              <a:t>также возможно установить для каждой стороны отдельно</a:t>
-            </a:r>
-            <a:r>
-              <a:rPr lang="ru-RU" sz="2200" dirty="0" smtClean="0"/>
-              <a:t>.</a:t>
-            </a:r>
-            <a:r>
-              <a:rPr lang="en-US" sz="2200" dirty="0" smtClean="0"/>
-              <a:t> </a:t>
-            </a:r>
-            <a:r>
-              <a:rPr lang="ru-RU" sz="2200" dirty="0" smtClean="0"/>
-              <a:t>Есть возможность задать сразу четыре значения через пробел (</a:t>
-            </a:r>
-            <a:r>
-              <a:rPr lang="en-US" sz="2200" b="1" dirty="0" smtClean="0"/>
-              <a:t>top, right, bottom, left</a:t>
-            </a:r>
-            <a:r>
-              <a:rPr lang="ru-RU" sz="2200" dirty="0" smtClean="0"/>
-              <a:t>)</a:t>
-            </a:r>
-            <a:r>
-              <a:rPr lang="en-US" sz="2200" dirty="0" smtClean="0"/>
-              <a:t>. </a:t>
-            </a:r>
-            <a:r>
-              <a:rPr lang="ru-RU" sz="2200" dirty="0" smtClean="0"/>
-              <a:t>А также для левого и правого отступа </a:t>
-            </a:r>
-            <a:r>
-              <a:rPr lang="en-US" sz="2200" dirty="0" smtClean="0"/>
-              <a:t>margin </a:t>
-            </a:r>
-            <a:r>
-              <a:rPr lang="ru-RU" sz="2200" dirty="0" smtClean="0"/>
-              <a:t>есть возможность задать автоматических расчёт отступов при помощи значения </a:t>
-            </a:r>
-            <a:r>
-              <a:rPr lang="en-US" sz="2200" b="1" dirty="0" smtClean="0">
-                <a:solidFill>
-                  <a:schemeClr val="accent6">
+              <a:rPr lang="ru-RU" sz="2800" dirty="0" smtClean="0"/>
+              <a:t>позволяет задать отбрасывание тени блоком, набор параметров аналогичен свойству </a:t>
+            </a:r>
+            <a:r>
+              <a:rPr lang="en-US" sz="2800" b="1" dirty="0" smtClean="0">
+                <a:solidFill>
+                  <a:schemeClr val="accent5">
                     <a:lumMod val="75000"/>
                   </a:schemeClr>
                 </a:solidFill>
               </a:rPr>
-              <a:t>auto</a:t>
-            </a:r>
-            <a:r>
-              <a:rPr lang="en-US" sz="2200" dirty="0" smtClean="0"/>
+              <a:t>text-shadow</a:t>
+            </a:r>
+            <a:r>
+              <a:rPr lang="en-US" sz="2800" dirty="0" smtClean="0"/>
               <a:t>.</a:t>
             </a:r>
-            <a:endParaRPr lang="ru-RU" sz="2200" dirty="0"/>
-          </a:p>
-        </p:txBody>
-      </p:sp>
-      <p:sp>
-        <p:nvSpPr>
-          <p:cNvPr id="13" name="Левая фигурная скобка 12"/>
-          <p:cNvSpPr/>
-          <p:nvPr/>
-        </p:nvSpPr>
-        <p:spPr>
-          <a:xfrm>
-            <a:off x="3383925" y="3717032"/>
-            <a:ext cx="864096" cy="1944216"/>
-          </a:xfrm>
-          <a:prstGeom prst="leftBrace">
-            <a:avLst/>
-          </a:prstGeom>
-          <a:ln w="57150"/>
-        </p:spPr>
-        <p:style>
-          <a:lnRef idx="1">
-            <a:schemeClr val="accent1"/>
-          </a:lnRef>
-          <a:fillRef idx="0">
-            <a:schemeClr val="accent1"/>
-          </a:fillRef>
-          <a:effectRef idx="0">
-            <a:schemeClr val="accent1"/>
-          </a:effectRef>
-          <a:fontRef idx="minor">
-            <a:schemeClr val="tx1"/>
-          </a:fontRef>
-        </p:style>
-        <p:txBody>
-          <a:bodyPr rtlCol="0" anchor="ctr"/>
-          <a:lstStyle/>
-          <a:p>
-            <a:pPr algn="ctr"/>
-            <a:endParaRPr lang="ru-RU"/>
-          </a:p>
-        </p:txBody>
-      </p:sp>
-      <p:sp>
-        <p:nvSpPr>
-          <p:cNvPr id="14" name="TextBox 13"/>
-          <p:cNvSpPr txBox="1"/>
-          <p:nvPr/>
-        </p:nvSpPr>
-        <p:spPr>
-          <a:xfrm>
-            <a:off x="335360" y="4504474"/>
-            <a:ext cx="3082767" cy="369332"/>
-          </a:xfrm>
-          <a:prstGeom prst="rect">
-            <a:avLst/>
-          </a:prstGeom>
-          <a:noFill/>
-        </p:spPr>
-        <p:txBody>
-          <a:bodyPr wrap="none" rtlCol="0">
-            <a:spAutoFit/>
-          </a:bodyPr>
-          <a:lstStyle/>
-          <a:p>
-            <a:r>
-              <a:rPr lang="en-US" b="1" dirty="0"/>
-              <a:t>margin: </a:t>
-            </a:r>
-            <a:r>
-              <a:rPr lang="en-US" b="1" dirty="0" smtClean="0"/>
-              <a:t>10px 20px 30px 40px; </a:t>
-            </a:r>
-            <a:endParaRPr lang="ru-RU" b="1" dirty="0"/>
-          </a:p>
-        </p:txBody>
-      </p:sp>
-      <p:sp>
-        <p:nvSpPr>
-          <p:cNvPr id="15" name="TextBox 14"/>
-          <p:cNvSpPr txBox="1"/>
-          <p:nvPr/>
-        </p:nvSpPr>
-        <p:spPr>
-          <a:xfrm>
-            <a:off x="4096309" y="3920276"/>
-            <a:ext cx="2977354" cy="1569660"/>
-          </a:xfrm>
-          <a:prstGeom prst="rect">
-            <a:avLst/>
-          </a:prstGeom>
-          <a:noFill/>
-        </p:spPr>
-        <p:txBody>
-          <a:bodyPr wrap="none" rtlCol="0">
-            <a:spAutoFit/>
-          </a:bodyPr>
-          <a:lstStyle/>
-          <a:p>
-            <a:r>
-              <a:rPr lang="en-US" sz="2400" b="1" dirty="0"/>
-              <a:t>margin-top: 10px;</a:t>
-            </a:r>
-          </a:p>
-          <a:p>
-            <a:r>
-              <a:rPr lang="en-US" sz="2400" b="1" dirty="0"/>
-              <a:t>margin-right: </a:t>
-            </a:r>
-            <a:r>
-              <a:rPr lang="en-US" sz="2400" b="1" dirty="0" smtClean="0"/>
-              <a:t>20px</a:t>
-            </a:r>
-            <a:r>
-              <a:rPr lang="en-US" sz="2400" b="1" dirty="0"/>
-              <a:t>;</a:t>
-            </a:r>
-          </a:p>
-          <a:p>
-            <a:r>
-              <a:rPr lang="en-US" sz="2400" b="1" dirty="0"/>
-              <a:t>margin-bottom: </a:t>
-            </a:r>
-            <a:r>
-              <a:rPr lang="en-US" sz="2400" b="1" dirty="0" smtClean="0"/>
-              <a:t>30px</a:t>
-            </a:r>
-            <a:r>
-              <a:rPr lang="en-US" sz="2400" b="1" dirty="0"/>
-              <a:t>;</a:t>
-            </a:r>
-          </a:p>
-          <a:p>
-            <a:r>
-              <a:rPr lang="en-US" sz="2400" b="1" dirty="0"/>
-              <a:t>margin-left: </a:t>
-            </a:r>
-            <a:r>
-              <a:rPr lang="en-US" sz="2400" b="1" dirty="0" smtClean="0"/>
-              <a:t>40px</a:t>
-            </a:r>
-            <a:r>
-              <a:rPr lang="en-US" sz="2400" b="1" dirty="0"/>
-              <a:t>;</a:t>
-            </a:r>
-            <a:endParaRPr lang="ru-RU" sz="2400" b="1" dirty="0"/>
+            <a:endParaRPr lang="uk-UA" sz="2800" dirty="0"/>
           </a:p>
         </p:txBody>
       </p:sp>
     </p:spTree>
     <p:extLst>
       <p:ext uri="{BB962C8B-B14F-4D97-AF65-F5344CB8AC3E}">
-        <p14:creationId xmlns:p14="http://schemas.microsoft.com/office/powerpoint/2010/main" val="1291096699"/>
+        <p14:creationId xmlns:p14="http://schemas.microsoft.com/office/powerpoint/2010/main" val="586139615"/>
       </p:ext>
     </p:extLst>
   </p:cSld>
@@ -9605,84 +9620,14 @@
       </p:grpSpPr>
       <p:sp>
         <p:nvSpPr>
-          <p:cNvPr id="7" name="Номер слайда 36"/>
-          <p:cNvSpPr txBox="1">
-            <a:spLocks/>
-          </p:cNvSpPr>
-          <p:nvPr/>
-        </p:nvSpPr>
-        <p:spPr>
-          <a:xfrm>
-            <a:off x="11136560" y="6165304"/>
-            <a:ext cx="648072" cy="432048"/>
-          </a:xfrm>
-          <a:prstGeom prst="roundRect">
-            <a:avLst/>
-          </a:prstGeom>
-          <a:ln w="25400" cap="flat" cmpd="sng" algn="ctr">
-            <a:solidFill>
-              <a:schemeClr val="tx2">
-                <a:lumMod val="60000"/>
-                <a:lumOff val="40000"/>
-              </a:schemeClr>
-            </a:solidFill>
-            <a:prstDash val="solid"/>
-          </a:ln>
-        </p:spPr>
-        <p:style>
-          <a:lnRef idx="2">
-            <a:schemeClr val="accent1"/>
-          </a:lnRef>
-          <a:fillRef idx="1">
-            <a:schemeClr val="lt1"/>
-          </a:fillRef>
-          <a:effectRef idx="0">
-            <a:schemeClr val="accent1"/>
-          </a:effectRef>
-          <a:fontRef idx="minor">
-            <a:schemeClr val="dk1"/>
-          </a:fontRef>
-        </p:style>
-        <p:txBody>
-          <a:bodyPr vert="horz" lIns="91440" tIns="45720" rIns="91440" bIns="45720" rtlCol="0" anchor="ctr"/>
-          <a:lstStyle/>
-          <a:p>
-            <a:pPr algn="ctr">
-              <a:defRPr/>
-            </a:pPr>
-            <a:fld id="{6389AA22-90B4-448C-8B6B-C699140D38B9}" type="slidenum">
-              <a:rPr lang="uk-UA" sz="2400" b="1">
-                <a:solidFill>
-                  <a:schemeClr val="bg1">
-                    <a:lumMod val="50000"/>
-                  </a:schemeClr>
-                </a:solidFill>
-              </a:rPr>
-              <a:pPr algn="ctr">
-                <a:defRPr/>
-              </a:pPr>
-              <a:t>29</a:t>
-            </a:fld>
-            <a:endParaRPr lang="uk-UA" sz="2400" b="1" dirty="0">
-              <a:solidFill>
-                <a:schemeClr val="bg1">
-                  <a:lumMod val="50000"/>
-                </a:schemeClr>
-              </a:solidFill>
-            </a:endParaRPr>
-          </a:p>
-        </p:txBody>
-      </p:sp>
-      <p:sp>
-        <p:nvSpPr>
-          <p:cNvPr id="3" name="TextBox 2"/>
+          <p:cNvPr id="4" name="TextBox 3"/>
           <p:cNvSpPr txBox="1"/>
           <p:nvPr/>
         </p:nvSpPr>
         <p:spPr>
           <a:xfrm>
-            <a:off x="0" y="251938"/>
-            <a:ext cx="12191999" cy="646331"/>
+            <a:off x="0" y="262390"/>
+            <a:ext cx="12192000" cy="646331"/>
           </a:xfrm>
           <a:prstGeom prst="rect">
             <a:avLst/>
@@ -9697,211 +9642,114 @@
           <a:p>
             <a:pPr algn="ctr"/>
             <a:r>
-              <a:rPr lang="ru-RU" sz="3600" b="1" dirty="0" err="1" smtClean="0"/>
-              <a:t>Скругление</a:t>
-            </a:r>
-            <a:r>
-              <a:rPr lang="ru-RU" sz="3600" b="1" dirty="0" smtClean="0"/>
-              <a:t> углов и тень от блока</a:t>
-            </a:r>
-            <a:endParaRPr lang="en-US" sz="3600" b="1" dirty="0"/>
+              <a:rPr lang="en-US" sz="3600" b="1" dirty="0"/>
+              <a:t>CSS </a:t>
+            </a:r>
+            <a:r>
+              <a:rPr lang="ru-RU" sz="3600" b="1" dirty="0"/>
+              <a:t>пиксель</a:t>
+            </a:r>
+            <a:r>
+              <a:rPr lang="ru-RU" sz="3600" b="1" dirty="0">
+                <a:solidFill>
+                  <a:srgbClr val="FF0000"/>
+                </a:solidFill>
+              </a:rPr>
+              <a:t> ≠ </a:t>
+            </a:r>
+            <a:r>
+              <a:rPr lang="ru-RU" sz="3600" b="1" dirty="0"/>
+              <a:t>Физический пиксель </a:t>
+            </a:r>
           </a:p>
         </p:txBody>
       </p:sp>
       <p:pic>
         <p:nvPicPr>
-          <p:cNvPr id="5" name="Рисунок 4"/>
+          <p:cNvPr id="1026" name="Picture 2" descr="http://www.getgrawlix.com/blog_content/tips-to-optimize-graphics/Using-hardware-pixels.png"/>
           <p:cNvPicPr>
-            <a:picLocks noChangeAspect="1"/>
+            <a:picLocks noChangeAspect="1" noChangeArrowheads="1"/>
           </p:cNvPicPr>
           <p:nvPr/>
         </p:nvPicPr>
         <p:blipFill>
-          <a:blip r:embed="rId2"/>
+          <a:blip r:embed="rId2">
+            <a:extLst>
+              <a:ext uri="{28A0092B-C50C-407E-A947-70E740481C1C}">
+                <a14:useLocalDpi xmlns:a14="http://schemas.microsoft.com/office/drawing/2010/main" val="0"/>
+              </a:ext>
+            </a:extLst>
+          </a:blip>
+          <a:srcRect/>
           <a:stretch>
             <a:fillRect/>
           </a:stretch>
         </p:blipFill>
-        <p:spPr>
-          <a:xfrm>
-            <a:off x="966937" y="1370479"/>
-            <a:ext cx="3743325" cy="2762250"/>
+        <p:spPr bwMode="auto">
+          <a:xfrm>
+            <a:off x="29096" y="971612"/>
+            <a:ext cx="6931000" cy="3465500"/>
           </a:xfrm>
           <a:prstGeom prst="rect">
             <a:avLst/>
           </a:prstGeom>
-          <a:ln>
-            <a:solidFill>
-              <a:schemeClr val="bg1">
-                <a:lumMod val="75000"/>
-              </a:schemeClr>
-            </a:solidFill>
-          </a:ln>
-          <a:effectLst>
-            <a:outerShdw blurRad="292100" dist="139700" dir="2700000" algn="tl" rotWithShape="0">
-              <a:srgbClr val="333333">
-                <a:alpha val="65000"/>
-              </a:srgbClr>
-            </a:outerShdw>
-          </a:effectLst>
+          <a:noFill/>
+          <a:extLst>
+            <a:ext uri="{909E8E84-426E-40DD-AFC4-6F175D3DCCD1}">
+              <a14:hiddenFill xmlns:a14="http://schemas.microsoft.com/office/drawing/2010/main">
+                <a:solidFill>
+                  <a:srgbClr val="FFFFFF"/>
+                </a:solidFill>
+              </a14:hiddenFill>
+            </a:ext>
+          </a:extLst>
         </p:spPr>
       </p:pic>
-      <p:sp>
-        <p:nvSpPr>
-          <p:cNvPr id="6" name="Прямоугольник 5"/>
-          <p:cNvSpPr/>
+      <p:pic>
+        <p:nvPicPr>
+          <p:cNvPr id="1028" name="Picture 4" descr="http://www.getgrawlix.com/blog_content/tips-to-optimize-graphics/Using-reference-pixels.png"/>
+          <p:cNvPicPr>
+            <a:picLocks noChangeAspect="1" noChangeArrowheads="1"/>
+          </p:cNvPicPr>
           <p:nvPr/>
-        </p:nvSpPr>
-        <p:spPr>
-          <a:xfrm>
-            <a:off x="1230885" y="5405538"/>
-            <a:ext cx="3642920" cy="369332"/>
+        </p:nvPicPr>
+        <p:blipFill>
+          <a:blip r:embed="rId3">
+            <a:extLst>
+              <a:ext uri="{28A0092B-C50C-407E-A947-70E740481C1C}">
+                <a14:useLocalDpi xmlns:a14="http://schemas.microsoft.com/office/drawing/2010/main" val="0"/>
+              </a:ext>
+            </a:extLst>
+          </a:blip>
+          <a:srcRect/>
+          <a:stretch>
+            <a:fillRect/>
+          </a:stretch>
+        </p:blipFill>
+        <p:spPr bwMode="auto">
+          <a:xfrm>
+            <a:off x="5921177" y="3717032"/>
+            <a:ext cx="6281935" cy="3140968"/>
           </a:xfrm>
           <a:prstGeom prst="rect">
             <a:avLst/>
           </a:prstGeom>
-        </p:spPr>
-        <p:txBody>
-          <a:bodyPr wrap="none">
-            <a:spAutoFit/>
-          </a:bodyPr>
-          <a:lstStyle/>
-          <a:p>
-            <a:r>
-              <a:rPr lang="en-US" b="1" dirty="0">
-                <a:hlinkClick r:id="rId3"/>
-              </a:rPr>
-              <a:t>https://</a:t>
-            </a:r>
-            <a:r>
-              <a:rPr lang="en-US" b="1" dirty="0" smtClean="0">
-                <a:hlinkClick r:id="rId3"/>
-              </a:rPr>
-              <a:t>webref.ru/css/border-radius</a:t>
-            </a:r>
-            <a:endParaRPr lang="uk-UA" b="1" dirty="0"/>
-          </a:p>
-        </p:txBody>
-      </p:sp>
-      <p:sp>
-        <p:nvSpPr>
-          <p:cNvPr id="12" name="Прямоугольник 11"/>
-          <p:cNvSpPr/>
-          <p:nvPr/>
-        </p:nvSpPr>
-        <p:spPr>
-          <a:xfrm>
-            <a:off x="1230885" y="4790282"/>
-            <a:ext cx="3506281" cy="369332"/>
-          </a:xfrm>
-          <a:prstGeom prst="rect">
-            <a:avLst/>
-          </a:prstGeom>
-        </p:spPr>
-        <p:txBody>
-          <a:bodyPr wrap="none">
-            <a:spAutoFit/>
-          </a:bodyPr>
-          <a:lstStyle/>
-          <a:p>
-            <a:r>
-              <a:rPr lang="en-US" b="1" dirty="0">
-                <a:hlinkClick r:id="rId4"/>
-              </a:rPr>
-              <a:t>https://webref.ru/css/box-shadow</a:t>
-            </a:r>
-            <a:endParaRPr lang="uk-UA" b="1" dirty="0"/>
-          </a:p>
-        </p:txBody>
-      </p:sp>
-      <p:sp>
-        <p:nvSpPr>
-          <p:cNvPr id="13" name="TextBox 12"/>
-          <p:cNvSpPr txBox="1"/>
-          <p:nvPr/>
-        </p:nvSpPr>
-        <p:spPr>
-          <a:xfrm>
-            <a:off x="5591944" y="1455073"/>
-            <a:ext cx="6048672" cy="2677656"/>
-          </a:xfrm>
-          <a:prstGeom prst="rect">
-            <a:avLst/>
-          </a:prstGeom>
           <a:noFill/>
-        </p:spPr>
-        <p:txBody>
-          <a:bodyPr wrap="square" rtlCol="0">
-            <a:spAutoFit/>
-          </a:bodyPr>
-          <a:lstStyle/>
-          <a:p>
-            <a:r>
-              <a:rPr lang="ru-RU" sz="2800" dirty="0" smtClean="0"/>
-              <a:t>Свойство </a:t>
-            </a:r>
-            <a:r>
-              <a:rPr lang="en-US" sz="2800" b="1" dirty="0" smtClean="0">
-                <a:solidFill>
-                  <a:srgbClr val="7030A0"/>
-                </a:solidFill>
-              </a:rPr>
-              <a:t>border-radius</a:t>
-            </a:r>
-            <a:r>
-              <a:rPr lang="en-US" sz="2800" dirty="0" smtClean="0"/>
-              <a:t> </a:t>
-            </a:r>
-            <a:r>
-              <a:rPr lang="ru-RU" sz="2800" dirty="0" smtClean="0"/>
-              <a:t>позволяет задать радиус округления уголков рамки.</a:t>
-            </a:r>
-            <a:r>
-              <a:rPr lang="en-US" sz="2800" dirty="0" smtClean="0"/>
-              <a:t> </a:t>
-            </a:r>
-            <a:r>
-              <a:rPr lang="ru-RU" sz="2800" dirty="0" smtClean="0"/>
-              <a:t>Свойство </a:t>
-            </a:r>
-            <a:r>
-              <a:rPr lang="en-US" sz="2800" b="1" dirty="0" smtClean="0">
-                <a:solidFill>
-                  <a:srgbClr val="00B050"/>
-                </a:solidFill>
-              </a:rPr>
-              <a:t>box-shadow</a:t>
-            </a:r>
-            <a:r>
-              <a:rPr lang="en-US" sz="2800" dirty="0" smtClean="0"/>
-              <a:t> </a:t>
-            </a:r>
-            <a:r>
-              <a:rPr lang="ru-RU" sz="2800" dirty="0" smtClean="0"/>
-              <a:t>позволяет задать отбрасывание тени блоком, набор параметров аналогичен свойству </a:t>
-            </a:r>
-            <a:r>
-              <a:rPr lang="en-US" sz="2800" b="1" dirty="0" smtClean="0">
-                <a:solidFill>
-                  <a:schemeClr val="accent5">
-                    <a:lumMod val="75000"/>
-                  </a:schemeClr>
-                </a:solidFill>
-              </a:rPr>
-              <a:t>text-shadow</a:t>
-            </a:r>
-            <a:r>
-              <a:rPr lang="en-US" sz="2800" dirty="0" smtClean="0"/>
-              <a:t>.</a:t>
-            </a:r>
-            <a:endParaRPr lang="uk-UA" sz="2800" dirty="0"/>
-          </a:p>
-        </p:txBody>
-      </p:sp>
+          <a:extLst>
+            <a:ext uri="{909E8E84-426E-40DD-AFC4-6F175D3DCCD1}">
+              <a14:hiddenFill xmlns:a14="http://schemas.microsoft.com/office/drawing/2010/main">
+                <a:solidFill>
+                  <a:srgbClr val="FFFFFF"/>
+                </a:solidFill>
+              </a14:hiddenFill>
+            </a:ext>
+          </a:extLst>
+        </p:spPr>
+      </p:pic>
     </p:spTree>
     <p:extLst>
       <p:ext uri="{BB962C8B-B14F-4D97-AF65-F5344CB8AC3E}">
-        <p14:creationId xmlns:p14="http://schemas.microsoft.com/office/powerpoint/2010/main" val="586139615"/>
+        <p14:creationId xmlns:p14="http://schemas.microsoft.com/office/powerpoint/2010/main" val="3005167524"/>
       </p:ext>
     </p:extLst>
   </p:cSld>
@@ -10031,14 +9879,84 @@
       </p:grpSpPr>
       <p:sp>
         <p:nvSpPr>
+          <p:cNvPr id="8" name="Номер слайда 36"/>
+          <p:cNvSpPr txBox="1">
+            <a:spLocks/>
+          </p:cNvSpPr>
+          <p:nvPr/>
+        </p:nvSpPr>
+        <p:spPr>
+          <a:xfrm>
+            <a:off x="11280576" y="6165305"/>
+            <a:ext cx="648072" cy="432048"/>
+          </a:xfrm>
+          <a:prstGeom prst="roundRect">
+            <a:avLst/>
+          </a:prstGeom>
+          <a:ln w="25400" cap="flat" cmpd="sng" algn="ctr">
+            <a:solidFill>
+              <a:schemeClr val="tx2">
+                <a:lumMod val="60000"/>
+                <a:lumOff val="40000"/>
+              </a:schemeClr>
+            </a:solidFill>
+            <a:prstDash val="solid"/>
+          </a:ln>
+        </p:spPr>
+        <p:style>
+          <a:lnRef idx="2">
+            <a:schemeClr val="accent1"/>
+          </a:lnRef>
+          <a:fillRef idx="1">
+            <a:schemeClr val="lt1"/>
+          </a:fillRef>
+          <a:effectRef idx="0">
+            <a:schemeClr val="accent1"/>
+          </a:effectRef>
+          <a:fontRef idx="minor">
+            <a:schemeClr val="dk1"/>
+          </a:fontRef>
+        </p:style>
+        <p:txBody>
+          <a:bodyPr vert="horz" lIns="91440" tIns="45720" rIns="91440" bIns="45720" rtlCol="0" anchor="ctr"/>
+          <a:lstStyle/>
+          <a:p>
+            <a:pPr algn="ctr">
+              <a:defRPr/>
+            </a:pPr>
+            <a:fld id="{6389AA22-90B4-448C-8B6B-C699140D38B9}" type="slidenum">
+              <a:rPr lang="uk-UA" sz="2400" b="1">
+                <a:solidFill>
+                  <a:schemeClr val="bg1">
+                    <a:lumMod val="50000"/>
+                  </a:schemeClr>
+                </a:solidFill>
+              </a:rPr>
+              <a:pPr algn="ctr">
+                <a:defRPr/>
+              </a:pPr>
+              <a:t>30</a:t>
+            </a:fld>
+            <a:endParaRPr lang="uk-UA" sz="2400" b="1" dirty="0">
+              <a:solidFill>
+                <a:schemeClr val="bg1">
+                  <a:lumMod val="50000"/>
+                </a:schemeClr>
+              </a:solidFill>
+            </a:endParaRPr>
+          </a:p>
+        </p:txBody>
+      </p:sp>
+      <p:sp>
+        <p:nvSpPr>
           <p:cNvPr id="4" name="TextBox 3"/>
           <p:cNvSpPr txBox="1"/>
           <p:nvPr/>
         </p:nvSpPr>
         <p:spPr>
           <a:xfrm>
-            <a:off x="0" y="262390"/>
-            <a:ext cx="12192000" cy="646331"/>
+            <a:off x="0" y="478413"/>
+            <a:ext cx="12191999" cy="646331"/>
           </a:xfrm>
           <a:prstGeom prst="rect">
             <a:avLst/>
@@ -10077,9 +9995,9 @@
       </p:sp>
       <p:pic>
         <p:nvPicPr>
-          <p:cNvPr id="1026" name="Picture 2" descr="http://www.getgrawlix.com/blog_content/tips-to-optimize-graphics/Using-hardware-pixels.png"/>
+          <p:cNvPr id="6" name="Рисунок 5"/>
           <p:cNvPicPr>
-            <a:picLocks noChangeAspect="1" noChangeArrowheads="1"/>
+            <a:picLocks noChangeAspect="1"/>
           </p:cNvPicPr>
           <p:nvPr/>
         </p:nvPicPr>
@@ -10091,76 +10009,110 @@
               </a:ext>
             </a:extLst>
           </a:blip>
-          <a:srcRect/>
           <a:stretch>
             <a:fillRect/>
           </a:stretch>
         </p:blipFill>
-        <p:spPr bwMode="auto">
-          <a:xfrm>
-            <a:off x="29096" y="971612"/>
-            <a:ext cx="6931000" cy="3465500"/>
+        <p:spPr>
+          <a:xfrm>
+            <a:off x="718170" y="1459126"/>
+            <a:ext cx="6457950" cy="3962400"/>
           </a:xfrm>
           <a:prstGeom prst="rect">
             <a:avLst/>
           </a:prstGeom>
+        </p:spPr>
+      </p:pic>
+      <p:sp>
+        <p:nvSpPr>
+          <p:cNvPr id="7" name="TextBox 6"/>
+          <p:cNvSpPr txBox="1"/>
+          <p:nvPr/>
+        </p:nvSpPr>
+        <p:spPr>
+          <a:xfrm>
+            <a:off x="7320136" y="1966188"/>
+            <a:ext cx="4032448" cy="3046988"/>
+          </a:xfrm>
+          <a:prstGeom prst="rect">
+            <a:avLst/>
+          </a:prstGeom>
           <a:noFill/>
-          <a:extLst>
-            <a:ext uri="{909E8E84-426E-40DD-AFC4-6F175D3DCCD1}">
-              <a14:hiddenFill xmlns:a14="http://schemas.microsoft.com/office/drawing/2010/main">
-                <a:solidFill>
-                  <a:srgbClr val="FFFFFF"/>
-                </a:solidFill>
-              </a14:hiddenFill>
-            </a:ext>
-          </a:extLst>
-        </p:spPr>
-      </p:pic>
-      <p:pic>
-        <p:nvPicPr>
-          <p:cNvPr id="1028" name="Picture 4" descr="http://www.getgrawlix.com/blog_content/tips-to-optimize-graphics/Using-reference-pixels.png"/>
-          <p:cNvPicPr>
-            <a:picLocks noChangeAspect="1" noChangeArrowheads="1"/>
-          </p:cNvPicPr>
-          <p:nvPr/>
-        </p:nvPicPr>
-        <p:blipFill>
-          <a:blip r:embed="rId3">
-            <a:extLst>
-              <a:ext uri="{28A0092B-C50C-407E-A947-70E740481C1C}">
-                <a14:useLocalDpi xmlns:a14="http://schemas.microsoft.com/office/drawing/2010/main" val="0"/>
-              </a:ext>
-            </a:extLst>
-          </a:blip>
-          <a:srcRect/>
-          <a:stretch>
-            <a:fillRect/>
-          </a:stretch>
-        </p:blipFill>
-        <p:spPr bwMode="auto">
-          <a:xfrm>
-            <a:off x="5921177" y="3717032"/>
-            <a:ext cx="6281935" cy="3140968"/>
-          </a:xfrm>
-          <a:prstGeom prst="rect">
-            <a:avLst/>
-          </a:prstGeom>
-          <a:noFill/>
-          <a:extLst>
-            <a:ext uri="{909E8E84-426E-40DD-AFC4-6F175D3DCCD1}">
-              <a14:hiddenFill xmlns:a14="http://schemas.microsoft.com/office/drawing/2010/main">
-                <a:solidFill>
-                  <a:srgbClr val="FFFFFF"/>
-                </a:solidFill>
-              </a14:hiddenFill>
-            </a:ext>
-          </a:extLst>
-        </p:spPr>
-      </p:pic>
+        </p:spPr>
+        <p:txBody>
+          <a:bodyPr wrap="square" rtlCol="0">
+            <a:spAutoFit/>
+          </a:bodyPr>
+          <a:lstStyle/>
+          <a:p>
+            <a:r>
+              <a:rPr lang="en-US" sz="2400" b="1" dirty="0"/>
+              <a:t>CSS </a:t>
+            </a:r>
+            <a:r>
+              <a:rPr lang="ru-RU" sz="2400" b="1" dirty="0"/>
+              <a:t>пиксель </a:t>
+            </a:r>
+            <a:r>
+              <a:rPr lang="ru-RU" sz="2400" dirty="0"/>
+              <a:t>– размер </a:t>
+            </a:r>
+            <a:r>
+              <a:rPr lang="ru-RU" sz="2400" dirty="0" smtClean="0"/>
+              <a:t>точки соответствующий плотности </a:t>
+            </a:r>
+            <a:r>
+              <a:rPr lang="en-US" sz="2400" b="1" dirty="0" smtClean="0"/>
+              <a:t>~ </a:t>
+            </a:r>
+            <a:r>
+              <a:rPr lang="ru-RU" sz="2400" b="1" dirty="0" smtClean="0"/>
+              <a:t>1/</a:t>
+            </a:r>
+            <a:r>
+              <a:rPr lang="en-US" sz="2400" b="1" dirty="0" smtClean="0"/>
+              <a:t>96 </a:t>
+            </a:r>
+            <a:r>
+              <a:rPr lang="ru-RU" sz="2400" dirty="0" smtClean="0"/>
+              <a:t>дюйма. </a:t>
+            </a:r>
+            <a:r>
+              <a:rPr lang="ru-RU" sz="2400" dirty="0"/>
+              <a:t>Сколько физических пикселей используется для от рисовки одного </a:t>
+            </a:r>
+            <a:r>
+              <a:rPr lang="en-US" sz="2400" b="1" dirty="0"/>
+              <a:t>CSS </a:t>
+            </a:r>
+            <a:r>
+              <a:rPr lang="ru-RU" sz="2400" b="1" dirty="0"/>
+              <a:t>пикселя</a:t>
+            </a:r>
+            <a:r>
+              <a:rPr lang="ru-RU" sz="2400" dirty="0"/>
+              <a:t> зависит </a:t>
+            </a:r>
+            <a:r>
+              <a:rPr lang="ru-RU" sz="2400" dirty="0" smtClean="0"/>
+              <a:t>от физического разрешения </a:t>
+            </a:r>
+            <a:r>
+              <a:rPr lang="ru-RU" sz="2400" dirty="0"/>
+              <a:t>конкретного </a:t>
+            </a:r>
+            <a:r>
+              <a:rPr lang="ru-RU" sz="2400" dirty="0" smtClean="0"/>
+              <a:t>экрана.</a:t>
+            </a:r>
+            <a:endParaRPr lang="ru-RU" sz="2400" dirty="0"/>
+          </a:p>
+        </p:txBody>
+      </p:sp>
     </p:spTree>
     <p:extLst>
       <p:ext uri="{BB962C8B-B14F-4D97-AF65-F5344CB8AC3E}">
-        <p14:creationId xmlns:p14="http://schemas.microsoft.com/office/powerpoint/2010/main" val="3005167524"/>
+        <p14:creationId xmlns:p14="http://schemas.microsoft.com/office/powerpoint/2010/main" val="4145411856"/>
       </p:ext>
     </p:extLst>
   </p:cSld>
@@ -10204,7 +10156,7 @@
         </p:nvSpPr>
         <p:spPr>
           <a:xfrm>
-            <a:off x="11280576" y="6165305"/>
+            <a:off x="11208568" y="6165304"/>
             <a:ext cx="648072" cy="432048"/>
           </a:xfrm>
           <a:prstGeom prst="roundRect">
@@ -10272,8 +10224,8 @@
         </p:nvSpPr>
         <p:spPr>
           <a:xfrm>
-            <a:off x="0" y="478413"/>
-            <a:ext cx="12191999" cy="646331"/>
+            <a:off x="0" y="262390"/>
+            <a:ext cx="12192000" cy="646331"/>
           </a:xfrm>
           <a:prstGeom prst="rect">
             <a:avLst/>
@@ -10310,11 +10262,97 @@
           </a:p>
         </p:txBody>
       </p:sp>
+      <p:sp>
+        <p:nvSpPr>
+          <p:cNvPr id="7" name="TextBox 6"/>
+          <p:cNvSpPr txBox="1"/>
+          <p:nvPr/>
+        </p:nvSpPr>
+        <p:spPr>
+          <a:xfrm>
+            <a:off x="7320136" y="1916832"/>
+            <a:ext cx="4032448" cy="3046988"/>
+          </a:xfrm>
+          <a:prstGeom prst="rect">
+            <a:avLst/>
+          </a:prstGeom>
+          <a:noFill/>
+        </p:spPr>
+        <p:txBody>
+          <a:bodyPr wrap="square" rtlCol="0">
+            <a:spAutoFit/>
+          </a:bodyPr>
+          <a:lstStyle/>
+          <a:p>
+            <a:r>
+              <a:rPr lang="en-US" sz="2400" b="1" dirty="0"/>
+              <a:t>CSS </a:t>
+            </a:r>
+            <a:r>
+              <a:rPr lang="ru-RU" sz="2400" b="1" dirty="0"/>
+              <a:t>пиксель </a:t>
+            </a:r>
+            <a:r>
+              <a:rPr lang="ru-RU" sz="2400" dirty="0"/>
+              <a:t>– размер </a:t>
+            </a:r>
+            <a:r>
+              <a:rPr lang="ru-RU" sz="2400" dirty="0" smtClean="0"/>
+              <a:t>точки условно соответствующий </a:t>
+            </a:r>
+            <a:r>
+              <a:rPr lang="en-US" sz="2400" b="1" dirty="0"/>
+              <a:t>~ </a:t>
+            </a:r>
+            <a:r>
+              <a:rPr lang="ru-RU" sz="2400" b="1" dirty="0" smtClean="0"/>
+              <a:t>1/</a:t>
+            </a:r>
+            <a:r>
+              <a:rPr lang="en-US" sz="2400" b="1" dirty="0" smtClean="0"/>
+              <a:t>96 </a:t>
+            </a:r>
+            <a:r>
+              <a:rPr lang="ru-RU" sz="2400" dirty="0" smtClean="0"/>
+              <a:t>дюйма. </a:t>
+            </a:r>
+            <a:r>
+              <a:rPr lang="ru-RU" sz="2400" dirty="0"/>
+              <a:t>Сколько физических пикселей используется для от рисовки одного </a:t>
+            </a:r>
+            <a:r>
+              <a:rPr lang="en-US" sz="2400" b="1" dirty="0"/>
+              <a:t>CSS </a:t>
+            </a:r>
+            <a:r>
+              <a:rPr lang="ru-RU" sz="2400" b="1" dirty="0"/>
+              <a:t>пикселя</a:t>
+            </a:r>
+            <a:r>
+              <a:rPr lang="ru-RU" sz="2400" dirty="0"/>
+              <a:t> зависит </a:t>
+            </a:r>
+            <a:r>
+              <a:rPr lang="ru-RU" sz="2400" dirty="0" smtClean="0"/>
+              <a:t>от физического разрешения </a:t>
+            </a:r>
+            <a:r>
+              <a:rPr lang="ru-RU" sz="2400" dirty="0"/>
+              <a:t>конкретного </a:t>
+            </a:r>
+            <a:r>
+              <a:rPr lang="ru-RU" sz="2400" dirty="0" smtClean="0"/>
+              <a:t>экрана.</a:t>
+            </a:r>
+            <a:endParaRPr lang="ru-RU" sz="2400" dirty="0"/>
+          </a:p>
+        </p:txBody>
+      </p:sp>
       <p:pic>
         <p:nvPicPr>
-          <p:cNvPr id="6" name="Рисунок 5"/>
+          <p:cNvPr id="2" name="Picture 2" descr="https://hsto.org/storage2/613/876/096/61387609681df49112c1ed2d51944439.png"/>
           <p:cNvPicPr>
-            <a:picLocks noChangeAspect="1"/>
+            <a:picLocks noChangeAspect="1" noChangeArrowheads="1"/>
           </p:cNvPicPr>
           <p:nvPr/>
         </p:nvPicPr>
@@ -10326,114 +10364,35 @@
               </a:ext>
             </a:extLst>
           </a:blip>
+          <a:srcRect/>
           <a:stretch>
             <a:fillRect/>
           </a:stretch>
         </p:blipFill>
-        <p:spPr>
-          <a:xfrm>
-            <a:off x="718170" y="1459126"/>
-            <a:ext cx="6457950" cy="3962400"/>
+        <p:spPr bwMode="auto">
+          <a:xfrm>
+            <a:off x="623392" y="1641113"/>
+            <a:ext cx="6532978" cy="3736865"/>
           </a:xfrm>
           <a:prstGeom prst="rect">
             <a:avLst/>
           </a:prstGeom>
+          <a:noFill/>
+          <a:extLst>
+            <a:ext uri="{909E8E84-426E-40DD-AFC4-6F175D3DCCD1}">
+              <a14:hiddenFill xmlns:a14="http://schemas.microsoft.com/office/drawing/2010/main">
+                <a:solidFill>
+                  <a:srgbClr val="FFFFFF"/>
+                </a:solidFill>
+              </a14:hiddenFill>
+            </a:ext>
+          </a:extLst>
         </p:spPr>
       </p:pic>
-      <p:sp>
-        <p:nvSpPr>
-          <p:cNvPr id="7" name="TextBox 6"/>
-          <p:cNvSpPr txBox="1"/>
-          <p:nvPr/>
-        </p:nvSpPr>
-        <p:spPr>
-          <a:xfrm>
-            <a:off x="7320136" y="1966188"/>
-            <a:ext cx="4032448" cy="3046988"/>
-          </a:xfrm>
-          <a:prstGeom prst="rect">
-            <a:avLst/>
-          </a:prstGeom>
-          <a:noFill/>
-        </p:spPr>
-        <p:txBody>
-          <a:bodyPr wrap="square" rtlCol="0">
-            <a:spAutoFit/>
-          </a:bodyPr>
-          <a:lstStyle/>
-          <a:p>
-            <a:r>
-              <a:rPr lang="en-US" sz="2400" b="1" dirty="0"/>
-              <a:t>CSS </a:t>
-            </a:r>
-            <a:r>
-              <a:rPr lang="ru-RU" sz="2400" b="1" dirty="0"/>
-              <a:t>пиксель </a:t>
-            </a:r>
-            <a:r>
-              <a:rPr lang="ru-RU" sz="2400" dirty="0"/>
-              <a:t>– размер </a:t>
-            </a:r>
-            <a:r>
-              <a:rPr lang="ru-RU" sz="2400" dirty="0" smtClean="0"/>
-              <a:t>точки </a:t>
-            </a:r>
-            <a:r>
-              <a:rPr lang="ru-RU" sz="2400" dirty="0" smtClean="0"/>
-              <a:t>соответствующий плотности </a:t>
-            </a:r>
-            <a:r>
-              <a:rPr lang="en-US" sz="2400" b="1" dirty="0" smtClean="0"/>
-              <a:t>~ </a:t>
-            </a:r>
-            <a:r>
-              <a:rPr lang="ru-RU" sz="2400" b="1" dirty="0" smtClean="0"/>
-              <a:t>1/</a:t>
-            </a:r>
-            <a:r>
-              <a:rPr lang="en-US" sz="2400" b="1" dirty="0" smtClean="0"/>
-              <a:t>96 </a:t>
-            </a:r>
-            <a:r>
-              <a:rPr lang="ru-RU" sz="2400" dirty="0" smtClean="0"/>
-              <a:t>дюйма. </a:t>
-            </a:r>
-            <a:r>
-              <a:rPr lang="ru-RU" sz="2400" dirty="0"/>
-              <a:t>Сколько физических пикселей используется для от рисовки одного </a:t>
-            </a:r>
-            <a:r>
-              <a:rPr lang="en-US" sz="2400" b="1" dirty="0"/>
-              <a:t>CSS </a:t>
-            </a:r>
-            <a:r>
-              <a:rPr lang="ru-RU" sz="2400" b="1" dirty="0"/>
-              <a:t>пикселя</a:t>
-            </a:r>
-            <a:r>
-              <a:rPr lang="ru-RU" sz="2400" dirty="0"/>
-              <a:t> зависит </a:t>
-            </a:r>
-            <a:r>
-              <a:rPr lang="ru-RU" sz="2400" dirty="0" smtClean="0"/>
-              <a:t>от физического разрешения </a:t>
-            </a:r>
-            <a:r>
-              <a:rPr lang="ru-RU" sz="2400" dirty="0"/>
-              <a:t>конкретного </a:t>
-            </a:r>
-            <a:r>
-              <a:rPr lang="ru-RU" sz="2400" dirty="0" smtClean="0"/>
-              <a:t>экрана.</a:t>
-            </a:r>
-            <a:endParaRPr lang="ru-RU" sz="2400" dirty="0"/>
-          </a:p>
-        </p:txBody>
-      </p:sp>
     </p:spTree>
     <p:extLst>
       <p:ext uri="{BB962C8B-B14F-4D97-AF65-F5344CB8AC3E}">
-        <p14:creationId xmlns:p14="http://schemas.microsoft.com/office/powerpoint/2010/main" val="4145411856"/>
+        <p14:creationId xmlns:p14="http://schemas.microsoft.com/office/powerpoint/2010/main" val="1939601565"/>
       </p:ext>
     </p:extLst>
   </p:cSld>
@@ -10469,251 +10428,69 @@
       </p:grpSpPr>
       <p:sp>
         <p:nvSpPr>
-          <p:cNvPr id="8" name="Номер слайда 36"/>
-          <p:cNvSpPr txBox="1">
-            <a:spLocks/>
-          </p:cNvSpPr>
+          <p:cNvPr id="5" name="Прямоугольник 4"/>
+          <p:cNvSpPr/>
           <p:nvPr/>
         </p:nvSpPr>
         <p:spPr>
           <a:xfrm>
-            <a:off x="11208568" y="6165304"/>
-            <a:ext cx="648072" cy="432048"/>
-          </a:xfrm>
-          <a:prstGeom prst="roundRect">
-            <a:avLst/>
-          </a:prstGeom>
-          <a:ln w="25400" cap="flat" cmpd="sng" algn="ctr">
-            <a:solidFill>
-              <a:schemeClr val="tx2">
-                <a:lumMod val="60000"/>
-                <a:lumOff val="40000"/>
-              </a:schemeClr>
-            </a:solidFill>
-            <a:prstDash val="solid"/>
-          </a:ln>
+            <a:off x="0" y="0"/>
+            <a:ext cx="12192000" cy="6858000"/>
+          </a:xfrm>
+          <a:prstGeom prst="rect">
+            <a:avLst/>
+          </a:prstGeom>
+          <a:solidFill>
+            <a:schemeClr val="tx2">
+              <a:lumMod val="75000"/>
+            </a:schemeClr>
+          </a:solidFill>
         </p:spPr>
         <p:style>
           <a:lnRef idx="2">
-            <a:schemeClr val="accent1"/>
+            <a:schemeClr val="accent1">
+              <a:shade val="50000"/>
+            </a:schemeClr>
           </a:lnRef>
           <a:fillRef idx="1">
-            <a:schemeClr val="lt1"/>
+            <a:schemeClr val="accent1"/>
           </a:fillRef>
           <a:effectRef idx="0">
             <a:schemeClr val="accent1"/>
           </a:effectRef>
           <a:fontRef idx="minor">
-            <a:schemeClr val="dk1"/>
+            <a:schemeClr val="lt1"/>
           </a:fontRef>
         </p:style>
         <p:txBody>
-          <a:bodyPr vert="horz" lIns="91440" tIns="45720" rIns="91440" bIns="45720" rtlCol="0" anchor="ctr"/>
-          <a:lstStyle/>
-          <a:p>
-            <a:pPr algn="ctr">
-              <a:defRPr/>
-            </a:pPr>
-            <a:fld id="{6389AA22-90B4-448C-8B6B-C699140D38B9}" type="slidenum">
-              <a:rPr lang="uk-UA" sz="2400" b="1">
-                <a:solidFill>
-                  <a:schemeClr val="bg1">
-                    <a:lumMod val="50000"/>
-                  </a:schemeClr>
-                </a:solidFill>
-              </a:rPr>
-              <a:pPr algn="ctr">
-                <a:defRPr/>
-              </a:pPr>
-              <a:t>32</a:t>
-            </a:fld>
-            <a:endParaRPr lang="uk-UA" sz="2400" b="1" dirty="0">
-              <a:solidFill>
-                <a:schemeClr val="bg1">
-                  <a:lumMod val="50000"/>
-                </a:schemeClr>
-              </a:solidFill>
-            </a:endParaRPr>
-          </a:p>
-        </p:txBody>
-      </p:sp>
-      <p:sp>
-        <p:nvSpPr>
-          <p:cNvPr id="4" name="TextBox 3"/>
-          <p:cNvSpPr txBox="1"/>
-          <p:nvPr/>
-        </p:nvSpPr>
-        <p:spPr>
-          <a:xfrm>
-            <a:off x="0" y="262390"/>
-            <a:ext cx="12192000" cy="646331"/>
-          </a:xfrm>
-          <a:prstGeom prst="rect">
-            <a:avLst/>
-          </a:prstGeom>
-          <a:noFill/>
-        </p:spPr>
-        <p:txBody>
-          <a:bodyPr wrap="square" rtlCol="0">
-            <a:spAutoFit/>
-          </a:bodyPr>
+          <a:bodyPr rtlCol="0" anchor="ctr"/>
           <a:lstStyle/>
           <a:p>
             <a:pPr algn="ctr"/>
             <a:r>
-              <a:rPr lang="en-US" sz="3600" b="1" dirty="0"/>
-              <a:t>CSS </a:t>
-            </a:r>
-            <a:r>
-              <a:rPr lang="ru-RU" sz="3600" b="1" dirty="0"/>
-              <a:t>пиксель</a:t>
-            </a:r>
-            <a:r>
-              <a:rPr lang="ru-RU" sz="3600" b="1" dirty="0">
-                <a:solidFill>
-                  <a:srgbClr val="FF0000"/>
-                </a:solidFill>
-              </a:rPr>
-              <a:t> ≠ </a:t>
-            </a:r>
-            <a:r>
-              <a:rPr lang="ru-RU" sz="3600" b="1" dirty="0"/>
-              <a:t>Физический пиксель </a:t>
-            </a:r>
-          </a:p>
-        </p:txBody>
-      </p:sp>
-      <p:sp>
-        <p:nvSpPr>
-          <p:cNvPr id="7" name="TextBox 6"/>
-          <p:cNvSpPr txBox="1"/>
-          <p:nvPr/>
-        </p:nvSpPr>
-        <p:spPr>
-          <a:xfrm>
-            <a:off x="7320136" y="1916832"/>
-            <a:ext cx="4032448" cy="3046988"/>
-          </a:xfrm>
-          <a:prstGeom prst="rect">
-            <a:avLst/>
-          </a:prstGeom>
-          <a:noFill/>
-        </p:spPr>
-        <p:txBody>
-          <a:bodyPr wrap="square" rtlCol="0">
-            <a:spAutoFit/>
-          </a:bodyPr>
-          <a:lstStyle/>
-          <a:p>
-            <a:r>
-              <a:rPr lang="en-US" sz="2400" b="1" dirty="0"/>
-              <a:t>CSS </a:t>
-            </a:r>
-            <a:r>
-              <a:rPr lang="ru-RU" sz="2400" b="1" dirty="0"/>
-              <a:t>пиксель </a:t>
-            </a:r>
-            <a:r>
-              <a:rPr lang="ru-RU" sz="2400" dirty="0"/>
-              <a:t>– размер </a:t>
-            </a:r>
-            <a:r>
-              <a:rPr lang="ru-RU" sz="2400" dirty="0" smtClean="0"/>
-              <a:t>точки условно соответствующий </a:t>
-            </a:r>
-            <a:r>
-              <a:rPr lang="en-US" sz="2400" b="1" dirty="0"/>
-              <a:t>~ </a:t>
-            </a:r>
-            <a:r>
-              <a:rPr lang="ru-RU" sz="2400" b="1" dirty="0" smtClean="0"/>
-              <a:t>1/</a:t>
-            </a:r>
-            <a:r>
-              <a:rPr lang="en-US" sz="2400" b="1" dirty="0" smtClean="0"/>
-              <a:t>96 </a:t>
-            </a:r>
-            <a:r>
-              <a:rPr lang="ru-RU" sz="2400" dirty="0" smtClean="0"/>
-              <a:t>дюйма. </a:t>
-            </a:r>
-            <a:r>
-              <a:rPr lang="ru-RU" sz="2400" dirty="0"/>
-              <a:t>Сколько физических пикселей используется для от рисовки одного </a:t>
-            </a:r>
-            <a:r>
-              <a:rPr lang="en-US" sz="2400" b="1" dirty="0"/>
-              <a:t>CSS </a:t>
-            </a:r>
-            <a:r>
-              <a:rPr lang="ru-RU" sz="2400" b="1" dirty="0"/>
-              <a:t>пикселя</a:t>
-            </a:r>
-            <a:r>
-              <a:rPr lang="ru-RU" sz="2400" dirty="0"/>
-              <a:t> зависит </a:t>
-            </a:r>
-            <a:r>
-              <a:rPr lang="ru-RU" sz="2400" dirty="0" smtClean="0"/>
-              <a:t>от физического разрешения </a:t>
-            </a:r>
-            <a:r>
-              <a:rPr lang="ru-RU" sz="2400" dirty="0"/>
-              <a:t>конкретного </a:t>
-            </a:r>
-            <a:r>
-              <a:rPr lang="ru-RU" sz="2400" dirty="0" smtClean="0"/>
-              <a:t>экрана.</a:t>
-            </a:r>
-            <a:endParaRPr lang="ru-RU" sz="2400" dirty="0"/>
-          </a:p>
-        </p:txBody>
-      </p:sp>
-      <p:pic>
-        <p:nvPicPr>
-          <p:cNvPr id="2" name="Picture 2" descr="https://hsto.org/storage2/613/876/096/61387609681df49112c1ed2d51944439.png"/>
-          <p:cNvPicPr>
-            <a:picLocks noChangeAspect="1" noChangeArrowheads="1"/>
-          </p:cNvPicPr>
-          <p:nvPr/>
-        </p:nvPicPr>
-        <p:blipFill>
-          <a:blip r:embed="rId2">
-            <a:extLst>
-              <a:ext uri="{28A0092B-C50C-407E-A947-70E740481C1C}">
-                <a14:useLocalDpi xmlns:a14="http://schemas.microsoft.com/office/drawing/2010/main" val="0"/>
-              </a:ext>
-            </a:extLst>
-          </a:blip>
-          <a:srcRect/>
-          <a:stretch>
-            <a:fillRect/>
-          </a:stretch>
-        </p:blipFill>
-        <p:spPr bwMode="auto">
-          <a:xfrm>
-            <a:off x="623392" y="1641113"/>
-            <a:ext cx="6532978" cy="3736865"/>
-          </a:xfrm>
-          <a:prstGeom prst="rect">
-            <a:avLst/>
-          </a:prstGeom>
-          <a:noFill/>
-          <a:extLst>
-            <a:ext uri="{909E8E84-426E-40DD-AFC4-6F175D3DCCD1}">
-              <a14:hiddenFill xmlns:a14="http://schemas.microsoft.com/office/drawing/2010/main">
-                <a:solidFill>
-                  <a:srgbClr val="FFFFFF"/>
-                </a:solidFill>
-              </a14:hiddenFill>
-            </a:ext>
-          </a:extLst>
-        </p:spPr>
-      </p:pic>
+              <a:rPr lang="en-US" sz="7200" b="1" dirty="0"/>
+              <a:t>9</a:t>
+            </a:r>
+            <a:r>
+              <a:rPr lang="en-US" sz="7200" b="1" dirty="0" smtClean="0"/>
+              <a:t>. </a:t>
+            </a:r>
+            <a:r>
+              <a:rPr lang="ru-RU" sz="7200" b="1" dirty="0" err="1" smtClean="0"/>
+              <a:t>Валидация</a:t>
+            </a:r>
+            <a:r>
+              <a:rPr lang="en-US" sz="7200" b="1" dirty="0" smtClean="0"/>
+              <a:t> CSS</a:t>
+            </a:r>
+            <a:endParaRPr lang="uk-UA" sz="2000" b="1" dirty="0"/>
+          </a:p>
+        </p:txBody>
+      </p:sp>
     </p:spTree>
     <p:extLst>
       <p:ext uri="{BB962C8B-B14F-4D97-AF65-F5344CB8AC3E}">
-        <p14:creationId xmlns:p14="http://schemas.microsoft.com/office/powerpoint/2010/main" val="1939601565"/>
+        <p14:creationId xmlns:p14="http://schemas.microsoft.com/office/powerpoint/2010/main" val="2457775183"/>
       </p:ext>
     </p:extLst>
   </p:cSld>
@@ -10749,69 +10526,277 @@
       </p:grpSpPr>
       <p:sp>
         <p:nvSpPr>
-          <p:cNvPr id="5" name="Прямоугольник 4"/>
-          <p:cNvSpPr/>
+          <p:cNvPr id="3" name="TextBox 2"/>
+          <p:cNvSpPr txBox="1"/>
           <p:nvPr/>
         </p:nvSpPr>
         <p:spPr>
           <a:xfrm>
-            <a:off x="0" y="0"/>
-            <a:ext cx="12192000" cy="6858000"/>
+            <a:off x="1991544" y="188640"/>
+            <a:ext cx="8280920" cy="1077218"/>
           </a:xfrm>
           <a:prstGeom prst="rect">
             <a:avLst/>
           </a:prstGeom>
-          <a:solidFill>
-            <a:schemeClr val="tx2">
-              <a:lumMod val="75000"/>
-            </a:schemeClr>
-          </a:solidFill>
+          <a:noFill/>
+        </p:spPr>
+        <p:txBody>
+          <a:bodyPr wrap="square" rtlCol="0">
+            <a:spAutoFit/>
+          </a:bodyPr>
+          <a:lstStyle/>
+          <a:p>
+            <a:pPr algn="ctr"/>
+            <a:r>
+              <a:rPr lang="ru-RU" sz="3200" b="1" dirty="0"/>
+              <a:t>Проверка страницы </a:t>
+            </a:r>
+            <a:r>
+              <a:rPr lang="ru-RU" sz="3200" b="1"/>
+              <a:t>на соответствие </a:t>
+            </a:r>
+            <a:r>
+              <a:rPr lang="ru-RU" sz="3200" b="1" dirty="0"/>
+              <a:t>стандартам </a:t>
+            </a:r>
+            <a:r>
+              <a:rPr lang="en-US" sz="3200" b="1" dirty="0"/>
+              <a:t>HTML&amp;CSS</a:t>
+            </a:r>
+            <a:endParaRPr lang="uk-UA" sz="3200" dirty="0"/>
+          </a:p>
+        </p:txBody>
+      </p:sp>
+      <p:sp>
+        <p:nvSpPr>
+          <p:cNvPr id="14" name="Номер слайда 36"/>
+          <p:cNvSpPr txBox="1">
+            <a:spLocks/>
+          </p:cNvSpPr>
+          <p:nvPr/>
+        </p:nvSpPr>
+        <p:spPr>
+          <a:xfrm>
+            <a:off x="11208568" y="6088357"/>
+            <a:ext cx="648072" cy="432048"/>
+          </a:xfrm>
+          <a:prstGeom prst="roundRect">
+            <a:avLst/>
+          </a:prstGeom>
+          <a:ln w="25400" cap="flat" cmpd="sng" algn="ctr">
+            <a:solidFill>
+              <a:schemeClr val="tx2">
+                <a:lumMod val="60000"/>
+                <a:lumOff val="40000"/>
+              </a:schemeClr>
+            </a:solidFill>
+            <a:prstDash val="solid"/>
+          </a:ln>
         </p:spPr>
         <p:style>
           <a:lnRef idx="2">
-            <a:schemeClr val="accent1">
-              <a:shade val="50000"/>
-            </a:schemeClr>
+            <a:schemeClr val="accent1"/>
           </a:lnRef>
           <a:fillRef idx="1">
-            <a:schemeClr val="accent1"/>
+            <a:schemeClr val="lt1"/>
           </a:fillRef>
           <a:effectRef idx="0">
             <a:schemeClr val="accent1"/>
           </a:effectRef>
           <a:fontRef idx="minor">
-            <a:schemeClr val="lt1"/>
+            <a:schemeClr val="dk1"/>
           </a:fontRef>
         </p:style>
         <p:txBody>
-          <a:bodyPr rtlCol="0" anchor="ctr"/>
+          <a:bodyPr vert="horz" lIns="91440" tIns="45720" rIns="91440" bIns="45720" rtlCol="0" anchor="ctr"/>
+          <a:lstStyle>
+            <a:defPPr>
+              <a:defRPr lang="uk-UA"/>
+            </a:defPPr>
+            <a:lvl1pPr marL="0" algn="l" defTabSz="914400" rtl="0" eaLnBrk="1" latinLnBrk="0" hangingPunct="1">
+              <a:defRPr sz="1800" kern="1200">
+                <a:solidFill>
+                  <a:schemeClr val="dk1"/>
+                </a:solidFill>
+                <a:latin typeface="+mn-lt"/>
+                <a:ea typeface="+mn-ea"/>
+                <a:cs typeface="+mn-cs"/>
+              </a:defRPr>
+            </a:lvl1pPr>
+            <a:lvl2pPr marL="457200" algn="l" defTabSz="914400" rtl="0" eaLnBrk="1" latinLnBrk="0" hangingPunct="1">
+              <a:defRPr sz="1800" kern="1200">
+                <a:solidFill>
+                  <a:schemeClr val="dk1"/>
+                </a:solidFill>
+                <a:latin typeface="+mn-lt"/>
+                <a:ea typeface="+mn-ea"/>
+                <a:cs typeface="+mn-cs"/>
+              </a:defRPr>
+            </a:lvl2pPr>
+            <a:lvl3pPr marL="914400" algn="l" defTabSz="914400" rtl="0" eaLnBrk="1" latinLnBrk="0" hangingPunct="1">
+              <a:defRPr sz="1800" kern="1200">
+                <a:solidFill>
+                  <a:schemeClr val="dk1"/>
+                </a:solidFill>
+                <a:latin typeface="+mn-lt"/>
+                <a:ea typeface="+mn-ea"/>
+                <a:cs typeface="+mn-cs"/>
+              </a:defRPr>
+            </a:lvl3pPr>
+            <a:lvl4pPr marL="1371600" algn="l" defTabSz="914400" rtl="0" eaLnBrk="1" latinLnBrk="0" hangingPunct="1">
+              <a:defRPr sz="1800" kern="1200">
+                <a:solidFill>
+                  <a:schemeClr val="dk1"/>
+                </a:solidFill>
+                <a:latin typeface="+mn-lt"/>
+                <a:ea typeface="+mn-ea"/>
+                <a:cs typeface="+mn-cs"/>
+              </a:defRPr>
+            </a:lvl4pPr>
+            <a:lvl5pPr marL="1828800" algn="l" defTabSz="914400" rtl="0" eaLnBrk="1" latinLnBrk="0" hangingPunct="1">
+              <a:defRPr sz="1800" kern="1200">
+                <a:solidFill>
+                  <a:schemeClr val="dk1"/>
+                </a:solidFill>
+                <a:latin typeface="+mn-lt"/>
+                <a:ea typeface="+mn-ea"/>
+                <a:cs typeface="+mn-cs"/>
+              </a:defRPr>
+            </a:lvl5pPr>
+            <a:lvl6pPr marL="2286000" algn="l" defTabSz="914400" rtl="0" eaLnBrk="1" latinLnBrk="0" hangingPunct="1">
+              <a:defRPr sz="1800" kern="1200">
+                <a:solidFill>
+                  <a:schemeClr val="dk1"/>
+                </a:solidFill>
+                <a:latin typeface="+mn-lt"/>
+                <a:ea typeface="+mn-ea"/>
+                <a:cs typeface="+mn-cs"/>
+              </a:defRPr>
+            </a:lvl6pPr>
+            <a:lvl7pPr marL="2743200" algn="l" defTabSz="914400" rtl="0" eaLnBrk="1" latinLnBrk="0" hangingPunct="1">
+              <a:defRPr sz="1800" kern="1200">
+                <a:solidFill>
+                  <a:schemeClr val="dk1"/>
+                </a:solidFill>
+                <a:latin typeface="+mn-lt"/>
+                <a:ea typeface="+mn-ea"/>
+                <a:cs typeface="+mn-cs"/>
+              </a:defRPr>
+            </a:lvl7pPr>
+            <a:lvl8pPr marL="3200400" algn="l" defTabSz="914400" rtl="0" eaLnBrk="1" latinLnBrk="0" hangingPunct="1">
+              <a:defRPr sz="1800" kern="1200">
+                <a:solidFill>
+                  <a:schemeClr val="dk1"/>
+                </a:solidFill>
+                <a:latin typeface="+mn-lt"/>
+                <a:ea typeface="+mn-ea"/>
+                <a:cs typeface="+mn-cs"/>
+              </a:defRPr>
+            </a:lvl8pPr>
+            <a:lvl9pPr marL="3657600" algn="l" defTabSz="914400" rtl="0" eaLnBrk="1" latinLnBrk="0" hangingPunct="1">
+              <a:defRPr sz="1800" kern="1200">
+                <a:solidFill>
+                  <a:schemeClr val="dk1"/>
+                </a:solidFill>
+                <a:latin typeface="+mn-lt"/>
+                <a:ea typeface="+mn-ea"/>
+                <a:cs typeface="+mn-cs"/>
+              </a:defRPr>
+            </a:lvl9pPr>
+          </a:lstStyle>
+          <a:p>
+            <a:pPr algn="ctr">
+              <a:defRPr/>
+            </a:pPr>
+            <a:fld id="{6389AA22-90B4-448C-8B6B-C699140D38B9}" type="slidenum">
+              <a:rPr lang="uk-UA" sz="2400" b="1">
+                <a:solidFill>
+                  <a:schemeClr val="bg1">
+                    <a:lumMod val="50000"/>
+                  </a:schemeClr>
+                </a:solidFill>
+              </a:rPr>
+              <a:pPr algn="ctr">
+                <a:defRPr/>
+              </a:pPr>
+              <a:t>33</a:t>
+            </a:fld>
+            <a:endParaRPr lang="uk-UA" sz="2400" b="1" dirty="0">
+              <a:solidFill>
+                <a:schemeClr val="bg1">
+                  <a:lumMod val="50000"/>
+                </a:schemeClr>
+              </a:solidFill>
+            </a:endParaRPr>
+          </a:p>
+        </p:txBody>
+      </p:sp>
+      <p:sp>
+        <p:nvSpPr>
+          <p:cNvPr id="5" name="Прямоугольник 4"/>
+          <p:cNvSpPr/>
+          <p:nvPr/>
+        </p:nvSpPr>
+        <p:spPr>
+          <a:xfrm>
+            <a:off x="3863752" y="6021288"/>
+            <a:ext cx="4810163" cy="461665"/>
+          </a:xfrm>
+          <a:prstGeom prst="rect">
+            <a:avLst/>
+          </a:prstGeom>
+        </p:spPr>
+        <p:txBody>
+          <a:bodyPr wrap="none">
+            <a:spAutoFit/>
+          </a:bodyPr>
           <a:lstStyle/>
           <a:p>
             <a:pPr algn="ctr"/>
             <a:r>
-              <a:rPr lang="en-US" sz="7200" b="1" dirty="0"/>
-              <a:t>9</a:t>
-            </a:r>
-            <a:r>
-              <a:rPr lang="en-US" sz="7200" b="1" dirty="0" smtClean="0"/>
-              <a:t>. </a:t>
-            </a:r>
-            <a:r>
-              <a:rPr lang="ru-RU" sz="7200" b="1" dirty="0" err="1" smtClean="0"/>
-              <a:t>Валидация</a:t>
-            </a:r>
-            <a:r>
-              <a:rPr lang="en-US" sz="7200" b="1" dirty="0" smtClean="0"/>
-              <a:t> CSS</a:t>
-            </a:r>
-            <a:endParaRPr lang="uk-UA" sz="2000" b="1" dirty="0"/>
-          </a:p>
-        </p:txBody>
-      </p:sp>
+              <a:rPr lang="en-US" sz="2400" b="1" dirty="0" smtClean="0">
+                <a:hlinkClick r:id="rId2"/>
+              </a:rPr>
+              <a:t>https</a:t>
+            </a:r>
+            <a:r>
+              <a:rPr lang="en-US" sz="2400" b="1" dirty="0">
+                <a:hlinkClick r:id="rId2"/>
+              </a:rPr>
+              <a:t>://jigsaw.w3.org/css-validator/</a:t>
+            </a:r>
+            <a:endParaRPr lang="en-US" sz="2400" b="1" dirty="0"/>
+          </a:p>
+        </p:txBody>
+      </p:sp>
+      <p:pic>
+        <p:nvPicPr>
+          <p:cNvPr id="2" name="Рисунок 1"/>
+          <p:cNvPicPr>
+            <a:picLocks noChangeAspect="1"/>
+          </p:cNvPicPr>
+          <p:nvPr/>
+        </p:nvPicPr>
+        <p:blipFill>
+          <a:blip r:embed="rId3"/>
+          <a:stretch>
+            <a:fillRect/>
+          </a:stretch>
+        </p:blipFill>
+        <p:spPr>
+          <a:xfrm>
+            <a:off x="2268344" y="1456556"/>
+            <a:ext cx="7727320" cy="4348708"/>
+          </a:xfrm>
+          <a:prstGeom prst="rect">
+            <a:avLst/>
+          </a:prstGeom>
+        </p:spPr>
+      </p:pic>
     </p:spTree>
     <p:extLst>
       <p:ext uri="{BB962C8B-B14F-4D97-AF65-F5344CB8AC3E}">
-        <p14:creationId xmlns:p14="http://schemas.microsoft.com/office/powerpoint/2010/main" val="2457775183"/>
+        <p14:creationId xmlns:p14="http://schemas.microsoft.com/office/powerpoint/2010/main" val="3607975024"/>
       </p:ext>
     </p:extLst>
   </p:cSld>
@@ -10847,277 +10832,57 @@
       </p:grpSpPr>
       <p:sp>
         <p:nvSpPr>
-          <p:cNvPr id="3" name="TextBox 2"/>
-          <p:cNvSpPr txBox="1"/>
+          <p:cNvPr id="5" name="Прямоугольник 4"/>
+          <p:cNvSpPr/>
           <p:nvPr/>
         </p:nvSpPr>
         <p:spPr>
           <a:xfrm>
-            <a:off x="1991544" y="188640"/>
-            <a:ext cx="8280920" cy="1077218"/>
+            <a:off x="0" y="0"/>
+            <a:ext cx="12192000" cy="6858000"/>
           </a:xfrm>
           <a:prstGeom prst="rect">
             <a:avLst/>
           </a:prstGeom>
-          <a:noFill/>
-        </p:spPr>
-        <p:txBody>
-          <a:bodyPr wrap="square" rtlCol="0">
-            <a:spAutoFit/>
-          </a:bodyPr>
-          <a:lstStyle/>
-          <a:p>
-            <a:pPr algn="ctr"/>
-            <a:r>
-              <a:rPr lang="ru-RU" sz="3200" b="1" dirty="0"/>
-              <a:t>Проверка страницы </a:t>
-            </a:r>
-            <a:r>
-              <a:rPr lang="ru-RU" sz="3200" b="1"/>
-              <a:t>на соответствие </a:t>
-            </a:r>
-            <a:r>
-              <a:rPr lang="ru-RU" sz="3200" b="1" dirty="0"/>
-              <a:t>стандартам </a:t>
-            </a:r>
-            <a:r>
-              <a:rPr lang="en-US" sz="3200" b="1" dirty="0"/>
-              <a:t>HTML&amp;CSS</a:t>
-            </a:r>
-            <a:endParaRPr lang="uk-UA" sz="3200" dirty="0"/>
-          </a:p>
-        </p:txBody>
-      </p:sp>
-      <p:sp>
-        <p:nvSpPr>
-          <p:cNvPr id="14" name="Номер слайда 36"/>
-          <p:cNvSpPr txBox="1">
-            <a:spLocks/>
-          </p:cNvSpPr>
-          <p:nvPr/>
-        </p:nvSpPr>
-        <p:spPr>
-          <a:xfrm>
-            <a:off x="11208568" y="6088357"/>
-            <a:ext cx="648072" cy="432048"/>
-          </a:xfrm>
-          <a:prstGeom prst="roundRect">
-            <a:avLst/>
-          </a:prstGeom>
-          <a:ln w="25400" cap="flat" cmpd="sng" algn="ctr">
-            <a:solidFill>
-              <a:schemeClr val="tx2">
-                <a:lumMod val="60000"/>
-                <a:lumOff val="40000"/>
-              </a:schemeClr>
-            </a:solidFill>
-            <a:prstDash val="solid"/>
-          </a:ln>
+          <a:solidFill>
+            <a:schemeClr val="tx2">
+              <a:lumMod val="75000"/>
+            </a:schemeClr>
+          </a:solidFill>
         </p:spPr>
         <p:style>
           <a:lnRef idx="2">
-            <a:schemeClr val="accent1"/>
+            <a:schemeClr val="accent1">
+              <a:shade val="50000"/>
+            </a:schemeClr>
           </a:lnRef>
           <a:fillRef idx="1">
-            <a:schemeClr val="lt1"/>
+            <a:schemeClr val="accent1"/>
           </a:fillRef>
           <a:effectRef idx="0">
             <a:schemeClr val="accent1"/>
           </a:effectRef>
           <a:fontRef idx="minor">
-            <a:schemeClr val="dk1"/>
+            <a:schemeClr val="lt1"/>
           </a:fontRef>
         </p:style>
         <p:txBody>
-          <a:bodyPr vert="horz" lIns="91440" tIns="45720" rIns="91440" bIns="45720" rtlCol="0" anchor="ctr"/>
-          <a:lstStyle>
-            <a:defPPr>
-              <a:defRPr lang="uk-UA"/>
-            </a:defPPr>
-            <a:lvl1pPr marL="0" algn="l" defTabSz="914400" rtl="0" eaLnBrk="1" latinLnBrk="0" hangingPunct="1">
-              <a:defRPr sz="1800" kern="1200">
-                <a:solidFill>
-                  <a:schemeClr val="dk1"/>
-                </a:solidFill>
-                <a:latin typeface="+mn-lt"/>
-                <a:ea typeface="+mn-ea"/>
-                <a:cs typeface="+mn-cs"/>
-              </a:defRPr>
-            </a:lvl1pPr>
-            <a:lvl2pPr marL="457200" algn="l" defTabSz="914400" rtl="0" eaLnBrk="1" latinLnBrk="0" hangingPunct="1">
-              <a:defRPr sz="1800" kern="1200">
-                <a:solidFill>
-                  <a:schemeClr val="dk1"/>
-                </a:solidFill>
-                <a:latin typeface="+mn-lt"/>
-                <a:ea typeface="+mn-ea"/>
-                <a:cs typeface="+mn-cs"/>
-              </a:defRPr>
-            </a:lvl2pPr>
-            <a:lvl3pPr marL="914400" algn="l" defTabSz="914400" rtl="0" eaLnBrk="1" latinLnBrk="0" hangingPunct="1">
-              <a:defRPr sz="1800" kern="1200">
-                <a:solidFill>
-                  <a:schemeClr val="dk1"/>
-                </a:solidFill>
-                <a:latin typeface="+mn-lt"/>
-                <a:ea typeface="+mn-ea"/>
-                <a:cs typeface="+mn-cs"/>
-              </a:defRPr>
-            </a:lvl3pPr>
-            <a:lvl4pPr marL="1371600" algn="l" defTabSz="914400" rtl="0" eaLnBrk="1" latinLnBrk="0" hangingPunct="1">
-              <a:defRPr sz="1800" kern="1200">
-                <a:solidFill>
-                  <a:schemeClr val="dk1"/>
-                </a:solidFill>
-                <a:latin typeface="+mn-lt"/>
-                <a:ea typeface="+mn-ea"/>
-                <a:cs typeface="+mn-cs"/>
-              </a:defRPr>
-            </a:lvl4pPr>
-            <a:lvl5pPr marL="1828800" algn="l" defTabSz="914400" rtl="0" eaLnBrk="1" latinLnBrk="0" hangingPunct="1">
-              <a:defRPr sz="1800" kern="1200">
-                <a:solidFill>
-                  <a:schemeClr val="dk1"/>
-                </a:solidFill>
-                <a:latin typeface="+mn-lt"/>
-                <a:ea typeface="+mn-ea"/>
-                <a:cs typeface="+mn-cs"/>
-              </a:defRPr>
-            </a:lvl5pPr>
-            <a:lvl6pPr marL="2286000" algn="l" defTabSz="914400" rtl="0" eaLnBrk="1" latinLnBrk="0" hangingPunct="1">
-              <a:defRPr sz="1800" kern="1200">
-                <a:solidFill>
-                  <a:schemeClr val="dk1"/>
-                </a:solidFill>
-                <a:latin typeface="+mn-lt"/>
-                <a:ea typeface="+mn-ea"/>
-                <a:cs typeface="+mn-cs"/>
-              </a:defRPr>
-            </a:lvl6pPr>
-            <a:lvl7pPr marL="2743200" algn="l" defTabSz="914400" rtl="0" eaLnBrk="1" latinLnBrk="0" hangingPunct="1">
-              <a:defRPr sz="1800" kern="1200">
-                <a:solidFill>
-                  <a:schemeClr val="dk1"/>
-                </a:solidFill>
-                <a:latin typeface="+mn-lt"/>
-                <a:ea typeface="+mn-ea"/>
-                <a:cs typeface="+mn-cs"/>
-              </a:defRPr>
-            </a:lvl7pPr>
-            <a:lvl8pPr marL="3200400" algn="l" defTabSz="914400" rtl="0" eaLnBrk="1" latinLnBrk="0" hangingPunct="1">
-              <a:defRPr sz="1800" kern="1200">
-                <a:solidFill>
-                  <a:schemeClr val="dk1"/>
-                </a:solidFill>
-                <a:latin typeface="+mn-lt"/>
-                <a:ea typeface="+mn-ea"/>
-                <a:cs typeface="+mn-cs"/>
-              </a:defRPr>
-            </a:lvl8pPr>
-            <a:lvl9pPr marL="3657600" algn="l" defTabSz="914400" rtl="0" eaLnBrk="1" latinLnBrk="0" hangingPunct="1">
-              <a:defRPr sz="1800" kern="1200">
-                <a:solidFill>
-                  <a:schemeClr val="dk1"/>
-                </a:solidFill>
-                <a:latin typeface="+mn-lt"/>
-                <a:ea typeface="+mn-ea"/>
-                <a:cs typeface="+mn-cs"/>
-              </a:defRPr>
-            </a:lvl9pPr>
-          </a:lstStyle>
-          <a:p>
-            <a:pPr algn="ctr">
-              <a:defRPr/>
-            </a:pPr>
-            <a:fld id="{6389AA22-90B4-448C-8B6B-C699140D38B9}" type="slidenum">
-              <a:rPr lang="uk-UA" sz="2400" b="1">
-                <a:solidFill>
-                  <a:schemeClr val="bg1">
-                    <a:lumMod val="50000"/>
-                  </a:schemeClr>
-                </a:solidFill>
-              </a:rPr>
-              <a:pPr algn="ctr">
-                <a:defRPr/>
-              </a:pPr>
-              <a:t>34</a:t>
-            </a:fld>
-            <a:endParaRPr lang="uk-UA" sz="2400" b="1" dirty="0">
-              <a:solidFill>
-                <a:schemeClr val="bg1">
-                  <a:lumMod val="50000"/>
-                </a:schemeClr>
-              </a:solidFill>
-            </a:endParaRPr>
-          </a:p>
-        </p:txBody>
-      </p:sp>
-      <p:sp>
-        <p:nvSpPr>
-          <p:cNvPr id="5" name="Прямоугольник 4"/>
-          <p:cNvSpPr/>
-          <p:nvPr/>
-        </p:nvSpPr>
-        <p:spPr>
-          <a:xfrm>
-            <a:off x="3863752" y="6021288"/>
-            <a:ext cx="4810163" cy="461665"/>
-          </a:xfrm>
-          <a:prstGeom prst="rect">
-            <a:avLst/>
-          </a:prstGeom>
-        </p:spPr>
-        <p:txBody>
-          <a:bodyPr wrap="none">
-            <a:spAutoFit/>
-          </a:bodyPr>
+          <a:bodyPr rtlCol="0" anchor="ctr"/>
           <a:lstStyle/>
           <a:p>
             <a:pPr algn="ctr"/>
             <a:r>
-              <a:rPr lang="en-US" sz="2400" b="1" dirty="0" smtClean="0">
-                <a:hlinkClick r:id="rId2"/>
-              </a:rPr>
-              <a:t>https</a:t>
-            </a:r>
-            <a:r>
-              <a:rPr lang="en-US" sz="2400" b="1" dirty="0">
-                <a:hlinkClick r:id="rId2"/>
-              </a:rPr>
-              <a:t>://jigsaw.w3.org/css-validator/</a:t>
-            </a:r>
-            <a:endParaRPr lang="en-US" sz="2400" b="1" dirty="0"/>
-          </a:p>
-        </p:txBody>
-      </p:sp>
-      <p:pic>
-        <p:nvPicPr>
-          <p:cNvPr id="2" name="Рисунок 1"/>
-          <p:cNvPicPr>
-            <a:picLocks noChangeAspect="1"/>
-          </p:cNvPicPr>
-          <p:nvPr/>
-        </p:nvPicPr>
-        <p:blipFill>
-          <a:blip r:embed="rId3"/>
-          <a:stretch>
-            <a:fillRect/>
-          </a:stretch>
-        </p:blipFill>
-        <p:spPr>
-          <a:xfrm>
-            <a:off x="2268344" y="1456556"/>
-            <a:ext cx="7727320" cy="4348708"/>
-          </a:xfrm>
-          <a:prstGeom prst="rect">
-            <a:avLst/>
-          </a:prstGeom>
-        </p:spPr>
-      </p:pic>
+              <a:rPr lang="ru-RU" sz="6600" b="1" dirty="0" smtClean="0"/>
+              <a:t>Будет полезным</a:t>
+            </a:r>
+            <a:endParaRPr lang="uk-UA" sz="6600" b="1" dirty="0"/>
+          </a:p>
+        </p:txBody>
+      </p:sp>
     </p:spTree>
     <p:extLst>
       <p:ext uri="{BB962C8B-B14F-4D97-AF65-F5344CB8AC3E}">
-        <p14:creationId xmlns:p14="http://schemas.microsoft.com/office/powerpoint/2010/main" val="3607975024"/>
+        <p14:creationId xmlns:p14="http://schemas.microsoft.com/office/powerpoint/2010/main" val="3150205262"/>
       </p:ext>
     </p:extLst>
   </p:cSld>
@@ -11153,57 +10918,187 @@
       </p:grpSpPr>
       <p:sp>
         <p:nvSpPr>
-          <p:cNvPr id="5" name="Прямоугольник 4"/>
-          <p:cNvSpPr/>
+          <p:cNvPr id="8" name="Номер слайда 36"/>
+          <p:cNvSpPr txBox="1">
+            <a:spLocks/>
+          </p:cNvSpPr>
           <p:nvPr/>
         </p:nvSpPr>
         <p:spPr>
           <a:xfrm>
-            <a:off x="0" y="0"/>
-            <a:ext cx="12192000" cy="6858000"/>
-          </a:xfrm>
-          <a:prstGeom prst="rect">
-            <a:avLst/>
-          </a:prstGeom>
-          <a:solidFill>
-            <a:schemeClr val="tx2">
-              <a:lumMod val="75000"/>
-            </a:schemeClr>
-          </a:solidFill>
+            <a:off x="11280576" y="6172760"/>
+            <a:ext cx="648072" cy="432048"/>
+          </a:xfrm>
+          <a:prstGeom prst="roundRect">
+            <a:avLst/>
+          </a:prstGeom>
+          <a:ln w="25400" cap="flat" cmpd="sng" algn="ctr">
+            <a:solidFill>
+              <a:schemeClr val="tx2">
+                <a:lumMod val="60000"/>
+                <a:lumOff val="40000"/>
+              </a:schemeClr>
+            </a:solidFill>
+            <a:prstDash val="solid"/>
+          </a:ln>
         </p:spPr>
         <p:style>
           <a:lnRef idx="2">
-            <a:schemeClr val="accent1">
-              <a:shade val="50000"/>
-            </a:schemeClr>
+            <a:schemeClr val="accent1"/>
           </a:lnRef>
           <a:fillRef idx="1">
-            <a:schemeClr val="accent1"/>
+            <a:schemeClr val="lt1"/>
           </a:fillRef>
           <a:effectRef idx="0">
             <a:schemeClr val="accent1"/>
           </a:effectRef>
           <a:fontRef idx="minor">
-            <a:schemeClr val="lt1"/>
+            <a:schemeClr val="dk1"/>
           </a:fontRef>
         </p:style>
         <p:txBody>
-          <a:bodyPr rtlCol="0" anchor="ctr"/>
+          <a:bodyPr vert="horz" lIns="91440" tIns="45720" rIns="91440" bIns="45720" rtlCol="0" anchor="ctr"/>
+          <a:lstStyle/>
+          <a:p>
+            <a:pPr algn="ctr">
+              <a:defRPr/>
+            </a:pPr>
+            <a:fld id="{6389AA22-90B4-448C-8B6B-C699140D38B9}" type="slidenum">
+              <a:rPr lang="uk-UA" sz="2400" b="1">
+                <a:solidFill>
+                  <a:schemeClr val="bg1">
+                    <a:lumMod val="50000"/>
+                  </a:schemeClr>
+                </a:solidFill>
+              </a:rPr>
+              <a:pPr algn="ctr">
+                <a:defRPr/>
+              </a:pPr>
+              <a:t>35</a:t>
+            </a:fld>
+            <a:endParaRPr lang="uk-UA" sz="2400" b="1" dirty="0">
+              <a:solidFill>
+                <a:schemeClr val="bg1">
+                  <a:lumMod val="50000"/>
+                </a:schemeClr>
+              </a:solidFill>
+            </a:endParaRPr>
+          </a:p>
+        </p:txBody>
+      </p:sp>
+      <p:sp>
+        <p:nvSpPr>
+          <p:cNvPr id="12" name="Прямоугольник 11"/>
+          <p:cNvSpPr/>
+          <p:nvPr/>
+        </p:nvSpPr>
+        <p:spPr>
+          <a:xfrm>
+            <a:off x="0" y="5914147"/>
+            <a:ext cx="12191999" cy="646331"/>
+          </a:xfrm>
+          <a:prstGeom prst="rect">
+            <a:avLst/>
+          </a:prstGeom>
+        </p:spPr>
+        <p:txBody>
+          <a:bodyPr wrap="square">
+            <a:spAutoFit/>
+          </a:bodyPr>
           <a:lstStyle/>
           <a:p>
             <a:pPr algn="ctr"/>
             <a:r>
-              <a:rPr lang="ru-RU" sz="6600" b="1" dirty="0" smtClean="0"/>
-              <a:t>Будет полезным</a:t>
-            </a:r>
-            <a:endParaRPr lang="uk-UA" sz="6600" b="1" dirty="0"/>
-          </a:p>
-        </p:txBody>
-      </p:sp>
+              <a:rPr lang="uk-UA" sz="3600" b="1" dirty="0">
+                <a:hlinkClick r:id="rId2"/>
+              </a:rPr>
+              <a:t>https://webref.ru/recipe</a:t>
+            </a:r>
+            <a:endParaRPr lang="en-US" sz="3600" b="1" dirty="0"/>
+          </a:p>
+        </p:txBody>
+      </p:sp>
+      <p:sp>
+        <p:nvSpPr>
+          <p:cNvPr id="13" name="TextBox 12"/>
+          <p:cNvSpPr txBox="1"/>
+          <p:nvPr/>
+        </p:nvSpPr>
+        <p:spPr>
+          <a:xfrm>
+            <a:off x="0" y="334397"/>
+            <a:ext cx="12192000" cy="769441"/>
+          </a:xfrm>
+          <a:prstGeom prst="rect">
+            <a:avLst/>
+          </a:prstGeom>
+          <a:noFill/>
+        </p:spPr>
+        <p:txBody>
+          <a:bodyPr wrap="square" rtlCol="0">
+            <a:spAutoFit/>
+          </a:bodyPr>
+          <a:lstStyle/>
+          <a:p>
+            <a:pPr algn="ctr"/>
+            <a:r>
+              <a:rPr lang="ru-RU" sz="4400" b="1" dirty="0"/>
+              <a:t>«</a:t>
+            </a:r>
+            <a:r>
+              <a:rPr lang="en-US" sz="4400" b="1" dirty="0"/>
+              <a:t>CSS </a:t>
+            </a:r>
+            <a:r>
+              <a:rPr lang="ru-RU" sz="4400" b="1" dirty="0"/>
+              <a:t>рецепты»</a:t>
+            </a:r>
+            <a:endParaRPr lang="en-US" sz="4400" b="1" dirty="0"/>
+          </a:p>
+        </p:txBody>
+      </p:sp>
+      <p:pic>
+        <p:nvPicPr>
+          <p:cNvPr id="3" name="Рисунок 2"/>
+          <p:cNvPicPr>
+            <a:picLocks noChangeAspect="1"/>
+          </p:cNvPicPr>
+          <p:nvPr/>
+        </p:nvPicPr>
+        <p:blipFill>
+          <a:blip r:embed="rId3"/>
+          <a:stretch>
+            <a:fillRect/>
+          </a:stretch>
+        </p:blipFill>
+        <p:spPr>
+          <a:xfrm>
+            <a:off x="2019300" y="1332706"/>
+            <a:ext cx="8153400" cy="4400550"/>
+          </a:xfrm>
+          <a:prstGeom prst="rect">
+            <a:avLst/>
+          </a:prstGeom>
+          <a:ln>
+            <a:solidFill>
+              <a:schemeClr val="bg1">
+                <a:lumMod val="85000"/>
+              </a:schemeClr>
+            </a:solidFill>
+          </a:ln>
+          <a:effectLst>
+            <a:outerShdw blurRad="190500" algn="tl" rotWithShape="0">
+              <a:srgbClr val="000000">
+                <a:alpha val="70000"/>
+              </a:srgbClr>
+            </a:outerShdw>
+          </a:effectLst>
+        </p:spPr>
+      </p:pic>
     </p:spTree>
     <p:extLst>
       <p:ext uri="{BB962C8B-B14F-4D97-AF65-F5344CB8AC3E}">
-        <p14:creationId xmlns:p14="http://schemas.microsoft.com/office/powerpoint/2010/main" val="3150205262"/>
+        <p14:creationId xmlns:p14="http://schemas.microsoft.com/office/powerpoint/2010/main" val="826304071"/>
       </p:ext>
     </p:extLst>
   </p:cSld>
@@ -11239,7 +11134,7 @@
       </p:grpSpPr>
       <p:sp>
         <p:nvSpPr>
-          <p:cNvPr id="8" name="Номер слайда 36"/>
+          <p:cNvPr id="5" name="Номер слайда 36"/>
           <p:cNvSpPr txBox="1">
             <a:spLocks/>
           </p:cNvSpPr>
@@ -11247,7 +11142,7 @@
         </p:nvSpPr>
         <p:spPr>
           <a:xfrm>
-            <a:off x="11280576" y="6172760"/>
+            <a:off x="11136560" y="6237312"/>
             <a:ext cx="648072" cy="432048"/>
           </a:xfrm>
           <a:prstGeom prst="roundRect">
@@ -11296,222 +11191,6 @@
                 <a:defRPr/>
               </a:pPr>
               <a:t>36</a:t>
-            </a:fld>
-            <a:endParaRPr lang="uk-UA" sz="2400" b="1" dirty="0">
-              <a:solidFill>
-                <a:schemeClr val="bg1">
-                  <a:lumMod val="50000"/>
-                </a:schemeClr>
-              </a:solidFill>
-            </a:endParaRPr>
-          </a:p>
-        </p:txBody>
-      </p:sp>
-      <p:sp>
-        <p:nvSpPr>
-          <p:cNvPr id="12" name="Прямоугольник 11"/>
-          <p:cNvSpPr/>
-          <p:nvPr/>
-        </p:nvSpPr>
-        <p:spPr>
-          <a:xfrm>
-            <a:off x="0" y="5914147"/>
-            <a:ext cx="12191999" cy="646331"/>
-          </a:xfrm>
-          <a:prstGeom prst="rect">
-            <a:avLst/>
-          </a:prstGeom>
-        </p:spPr>
-        <p:txBody>
-          <a:bodyPr wrap="square">
-            <a:spAutoFit/>
-          </a:bodyPr>
-          <a:lstStyle/>
-          <a:p>
-            <a:pPr algn="ctr"/>
-            <a:r>
-              <a:rPr lang="uk-UA" sz="3600" b="1" dirty="0">
-                <a:hlinkClick r:id="rId2"/>
-              </a:rPr>
-              <a:t>https://webref.ru/recipe</a:t>
-            </a:r>
-            <a:endParaRPr lang="en-US" sz="3600" b="1" dirty="0"/>
-          </a:p>
-        </p:txBody>
-      </p:sp>
-      <p:sp>
-        <p:nvSpPr>
-          <p:cNvPr id="13" name="TextBox 12"/>
-          <p:cNvSpPr txBox="1"/>
-          <p:nvPr/>
-        </p:nvSpPr>
-        <p:spPr>
-          <a:xfrm>
-            <a:off x="0" y="334397"/>
-            <a:ext cx="12192000" cy="769441"/>
-          </a:xfrm>
-          <a:prstGeom prst="rect">
-            <a:avLst/>
-          </a:prstGeom>
-          <a:noFill/>
-        </p:spPr>
-        <p:txBody>
-          <a:bodyPr wrap="square" rtlCol="0">
-            <a:spAutoFit/>
-          </a:bodyPr>
-          <a:lstStyle/>
-          <a:p>
-            <a:pPr algn="ctr"/>
-            <a:r>
-              <a:rPr lang="ru-RU" sz="4400" b="1" dirty="0"/>
-              <a:t>«</a:t>
-            </a:r>
-            <a:r>
-              <a:rPr lang="en-US" sz="4400" b="1" dirty="0"/>
-              <a:t>CSS </a:t>
-            </a:r>
-            <a:r>
-              <a:rPr lang="ru-RU" sz="4400" b="1" dirty="0"/>
-              <a:t>рецепты»</a:t>
-            </a:r>
-            <a:endParaRPr lang="en-US" sz="4400" b="1" dirty="0"/>
-          </a:p>
-        </p:txBody>
-      </p:sp>
-      <p:pic>
-        <p:nvPicPr>
-          <p:cNvPr id="3" name="Рисунок 2"/>
-          <p:cNvPicPr>
-            <a:picLocks noChangeAspect="1"/>
-          </p:cNvPicPr>
-          <p:nvPr/>
-        </p:nvPicPr>
-        <p:blipFill>
-          <a:blip r:embed="rId3"/>
-          <a:stretch>
-            <a:fillRect/>
-          </a:stretch>
-        </p:blipFill>
-        <p:spPr>
-          <a:xfrm>
-            <a:off x="2019300" y="1332706"/>
-            <a:ext cx="8153400" cy="4400550"/>
-          </a:xfrm>
-          <a:prstGeom prst="rect">
-            <a:avLst/>
-          </a:prstGeom>
-          <a:ln>
-            <a:solidFill>
-              <a:schemeClr val="bg1">
-                <a:lumMod val="85000"/>
-              </a:schemeClr>
-            </a:solidFill>
-          </a:ln>
-          <a:effectLst>
-            <a:outerShdw blurRad="190500" algn="tl" rotWithShape="0">
-              <a:srgbClr val="000000">
-                <a:alpha val="70000"/>
-              </a:srgbClr>
-            </a:outerShdw>
-          </a:effectLst>
-        </p:spPr>
-      </p:pic>
-    </p:spTree>
-    <p:extLst>
-      <p:ext uri="{BB962C8B-B14F-4D97-AF65-F5344CB8AC3E}">
-        <p14:creationId xmlns:p14="http://schemas.microsoft.com/office/powerpoint/2010/main" val="826304071"/>
-      </p:ext>
-    </p:extLst>
-  </p:cSld>
-  <p:clrMapOvr>
-    <a:masterClrMapping/>
-  </p:clrMapOvr>
-  <p:timing>
-    <p:tnLst>
-      <p:par>
-        <p:cTn id="1" dur="indefinite" restart="never" nodeType="tmRoot"/>
-      </p:par>
-    </p:tnLst>
-  </p:timing>
-</p:sld>
-</file>
-
-<file path=ppt/slides/slide37.xml><?xml version="1.0" encoding="utf-8"?>
-<p:sld xmlns:a="http://schemas.openxmlformats.org/drawingml/2006/main" xmlns:r="http://schemas.openxmlformats.org/officeDocument/2006/relationships" xmlns:p="http://schemas.openxmlformats.org/presentationml/2006/main">
-  <p:cSld>
-    <p:spTree>
-      <p:nvGrpSpPr>
-        <p:cNvPr id="1" name=""/>
-        <p:cNvGrpSpPr/>
-        <p:nvPr/>
-      </p:nvGrpSpPr>
-      <p:grpSpPr>
-        <a:xfrm>
-          <a:off x="0" y="0"/>
-          <a:ext cx="0" cy="0"/>
-          <a:chOff x="0" y="0"/>
-          <a:chExt cx="0" cy="0"/>
-        </a:xfrm>
-      </p:grpSpPr>
-      <p:sp>
-        <p:nvSpPr>
-          <p:cNvPr id="5" name="Номер слайда 36"/>
-          <p:cNvSpPr txBox="1">
-            <a:spLocks/>
-          </p:cNvSpPr>
-          <p:nvPr/>
-        </p:nvSpPr>
-        <p:spPr>
-          <a:xfrm>
-            <a:off x="11136560" y="6237312"/>
-            <a:ext cx="648072" cy="432048"/>
-          </a:xfrm>
-          <a:prstGeom prst="roundRect">
-            <a:avLst/>
-          </a:prstGeom>
-          <a:ln w="25400" cap="flat" cmpd="sng" algn="ctr">
-            <a:solidFill>
-              <a:schemeClr val="tx2">
-                <a:lumMod val="60000"/>
-                <a:lumOff val="40000"/>
-              </a:schemeClr>
-            </a:solidFill>
-            <a:prstDash val="solid"/>
-          </a:ln>
-        </p:spPr>
-        <p:style>
-          <a:lnRef idx="2">
-            <a:schemeClr val="accent1"/>
-          </a:lnRef>
-          <a:fillRef idx="1">
-            <a:schemeClr val="lt1"/>
-          </a:fillRef>
-          <a:effectRef idx="0">
-            <a:schemeClr val="accent1"/>
-          </a:effectRef>
-          <a:fontRef idx="minor">
-            <a:schemeClr val="dk1"/>
-          </a:fontRef>
-        </p:style>
-        <p:txBody>
-          <a:bodyPr vert="horz" lIns="91440" tIns="45720" rIns="91440" bIns="45720" rtlCol="0" anchor="ctr"/>
-          <a:lstStyle/>
-          <a:p>
-            <a:pPr algn="ctr">
-              <a:defRPr/>
-            </a:pPr>
-            <a:fld id="{6389AA22-90B4-448C-8B6B-C699140D38B9}" type="slidenum">
-              <a:rPr lang="uk-UA" sz="2400" b="1">
-                <a:solidFill>
-                  <a:schemeClr val="bg1">
-                    <a:lumMod val="50000"/>
-                  </a:schemeClr>
-                </a:solidFill>
-              </a:rPr>
-              <a:pPr algn="ctr">
-                <a:defRPr/>
-              </a:pPr>
-              <a:t>37</a:t>
             </a:fld>
             <a:endParaRPr lang="uk-UA" sz="2400" b="1" dirty="0">
               <a:solidFill>
@@ -11634,11 +11313,7 @@
             <a:pPr algn="ctr"/>
             <a:r>
               <a:rPr lang="ru-RU" sz="2800" b="1" dirty="0" smtClean="0"/>
-              <a:t>Познавательное видео о работе с </a:t>
-            </a:r>
-            <a:r>
-              <a:rPr lang="ru-RU" sz="2800" b="1" dirty="0" smtClean="0"/>
-              <a:t>инструментами</a:t>
+              <a:t>Познавательное видео о работе с инструментами</a:t>
             </a:r>
             <a:r>
               <a:rPr lang="en-US" sz="2800" b="1" dirty="0" smtClean="0"/>
@@ -11649,11 +11324,7 @@
             </a:br>
             <a:r>
               <a:rPr lang="ru-RU" sz="2800" b="1" dirty="0" smtClean="0"/>
-              <a:t> </a:t>
-            </a:r>
-            <a:r>
-              <a:rPr lang="ru-RU" sz="2800" b="1" dirty="0" smtClean="0"/>
-              <a:t>разработчика в </a:t>
+              <a:t> разработчика в </a:t>
             </a:r>
             <a:r>
               <a:rPr lang="en-US" sz="2800" b="1" dirty="0" smtClean="0"/>
